--- a/winter_conference_2024.pptx
+++ b/winter_conference_2024.pptx
@@ -5,27 +5,28 @@
     <p:sldMasterId id="2147483648" r:id="rId1"/>
   </p:sldMasterIdLst>
   <p:notesMasterIdLst>
-    <p:notesMasterId r:id="rId20"/>
+    <p:notesMasterId r:id="rId21"/>
   </p:notesMasterIdLst>
   <p:sldIdLst>
     <p:sldId id="1556" r:id="rId2"/>
     <p:sldId id="1557" r:id="rId3"/>
     <p:sldId id="1559" r:id="rId4"/>
-    <p:sldId id="1560" r:id="rId5"/>
-    <p:sldId id="1561" r:id="rId6"/>
-    <p:sldId id="1562" r:id="rId7"/>
-    <p:sldId id="1563" r:id="rId8"/>
-    <p:sldId id="1564" r:id="rId9"/>
-    <p:sldId id="1565" r:id="rId10"/>
-    <p:sldId id="1566" r:id="rId11"/>
-    <p:sldId id="1567" r:id="rId12"/>
-    <p:sldId id="1568" r:id="rId13"/>
-    <p:sldId id="1572" r:id="rId14"/>
-    <p:sldId id="1573" r:id="rId15"/>
-    <p:sldId id="1574" r:id="rId16"/>
-    <p:sldId id="1570" r:id="rId17"/>
-    <p:sldId id="1571" r:id="rId18"/>
-    <p:sldId id="1555" r:id="rId19"/>
+    <p:sldId id="1575" r:id="rId5"/>
+    <p:sldId id="1560" r:id="rId6"/>
+    <p:sldId id="1561" r:id="rId7"/>
+    <p:sldId id="1562" r:id="rId8"/>
+    <p:sldId id="1563" r:id="rId9"/>
+    <p:sldId id="1564" r:id="rId10"/>
+    <p:sldId id="1565" r:id="rId11"/>
+    <p:sldId id="1566" r:id="rId12"/>
+    <p:sldId id="1567" r:id="rId13"/>
+    <p:sldId id="1568" r:id="rId14"/>
+    <p:sldId id="1572" r:id="rId15"/>
+    <p:sldId id="1573" r:id="rId16"/>
+    <p:sldId id="1574" r:id="rId17"/>
+    <p:sldId id="1570" r:id="rId18"/>
+    <p:sldId id="1571" r:id="rId19"/>
+    <p:sldId id="1555" r:id="rId20"/>
   </p:sldIdLst>
   <p:sldSz cx="12192000" cy="6858000"/>
   <p:notesSz cx="6858000" cy="9144000"/>
@@ -745,7 +746,7 @@
           <a:p>
             <a:fld id="{79B06930-2FBF-4BDF-BB7A-ED0F3C0B8516}" type="slidenum">
               <a:rPr lang="ko-KR" altLang="en-US" smtClean="0"/>
-              <a:t>17</a:t>
+              <a:t>18</a:t>
             </a:fld>
             <a:endParaRPr lang="ko-KR" altLang="en-US"/>
           </a:p>
@@ -4946,6 +4947,1392 @@
           <p:cNvPr id="2" name="Title 1">
             <a:extLst>
               <a:ext uri="{FF2B5EF4-FFF2-40B4-BE49-F238E27FC236}">
+                <a16:creationId xmlns:a16="http://schemas.microsoft.com/office/drawing/2014/main" id="{A0FE050A-3359-351E-2F82-053C23A71737}"/>
+              </a:ext>
+            </a:extLst>
+          </p:cNvPr>
+          <p:cNvSpPr>
+            <a:spLocks noGrp="1"/>
+          </p:cNvSpPr>
+          <p:nvPr>
+            <p:ph type="title"/>
+          </p:nvPr>
+        </p:nvSpPr>
+        <p:spPr/>
+        <p:txBody>
+          <a:bodyPr/>
+          <a:lstStyle/>
+          <a:p>
+            <a:r>
+              <a:rPr lang="en-US" dirty="0"/>
+              <a:t>Method</a:t>
+            </a:r>
+          </a:p>
+        </p:txBody>
+      </p:sp>
+      <mc:AlternateContent xmlns:mc="http://schemas.openxmlformats.org/markup-compatibility/2006" xmlns:a14="http://schemas.microsoft.com/office/drawing/2010/main">
+        <mc:Choice Requires="a14">
+          <p:sp>
+            <p:nvSpPr>
+              <p:cNvPr id="3" name="Content Placeholder 2">
+                <a:extLst>
+                  <a:ext uri="{FF2B5EF4-FFF2-40B4-BE49-F238E27FC236}">
+                    <a16:creationId xmlns:a16="http://schemas.microsoft.com/office/drawing/2014/main" id="{B24B5736-F2DE-FC39-5590-807CA1948066}"/>
+                  </a:ext>
+                </a:extLst>
+              </p:cNvPr>
+              <p:cNvSpPr>
+                <a:spLocks noGrp="1"/>
+              </p:cNvSpPr>
+              <p:nvPr>
+                <p:ph idx="1"/>
+              </p:nvPr>
+            </p:nvSpPr>
+            <p:spPr>
+              <a:xfrm>
+                <a:off x="838200" y="1649690"/>
+                <a:ext cx="10515600" cy="4706659"/>
+              </a:xfrm>
+            </p:spPr>
+            <p:txBody>
+              <a:bodyPr/>
+              <a:lstStyle/>
+              <a:p>
+                <a:r>
+                  <a:rPr lang="en-US" b="0" i="0" dirty="0">
+                    <a:solidFill>
+                      <a:schemeClr val="accent2">
+                        <a:lumMod val="50000"/>
+                      </a:schemeClr>
+                    </a:solidFill>
+                    <a:effectLst/>
+                    <a:latin typeface="Roboto" panose="020F0502020204030204" pitchFamily="2" charset="0"/>
+                  </a:rPr>
+                  <a:t>Calculating Achievable Public Data Rate:</a:t>
+                </a:r>
+              </a:p>
+              <a:p>
+                <a:r>
+                  <a:rPr lang="en-US" dirty="0">
+                    <a:solidFill>
+                      <a:schemeClr val="accent6">
+                        <a:lumMod val="50000"/>
+                      </a:schemeClr>
+                    </a:solidFill>
+                  </a:rPr>
+                  <a:t>Data Rate Calculation:</a:t>
+                </a:r>
+              </a:p>
+              <a:p>
+                <a:endParaRPr lang="en-US" dirty="0"/>
+              </a:p>
+              <a:p>
+                <a:pPr marL="0" indent="0">
+                  <a:buNone/>
+                </a:pPr>
+                <a:r>
+                  <a:rPr lang="en-US" sz="2000" dirty="0">
+                    <a:solidFill>
+                      <a:srgbClr val="222A35"/>
+                    </a:solidFill>
+                    <a:effectLst/>
+                    <a:ea typeface="Times New Roman" panose="02020603050405020304" pitchFamily="18" charset="0"/>
+                    <a:cs typeface="Calibri" panose="020F0502020204030204" pitchFamily="34" charset="0"/>
+                  </a:rPr>
+                  <a:t>                                     </a:t>
+                </a:r>
+                <a14:m>
+                  <m:oMath xmlns:m="http://schemas.openxmlformats.org/officeDocument/2006/math">
+                    <m:sSub>
+                      <m:sSubPr>
+                        <m:ctrlPr>
+                          <a:rPr lang="en-US" sz="2000" i="1" smtClean="0">
+                            <a:solidFill>
+                              <a:schemeClr val="tx2">
+                                <a:lumMod val="50000"/>
+                              </a:schemeClr>
+                            </a:solidFill>
+                            <a:effectLst/>
+                            <a:latin typeface="Cambria Math" panose="02040503050406030204" pitchFamily="18" charset="0"/>
+                            <a:ea typeface="Times New Roman" panose="02020603050405020304" pitchFamily="18" charset="0"/>
+                            <a:cs typeface="Calibri" panose="020F0502020204030204" pitchFamily="34" charset="0"/>
+                          </a:rPr>
+                        </m:ctrlPr>
+                      </m:sSubPr>
+                      <m:e>
+                        <m:acc>
+                          <m:accPr>
+                            <m:chr m:val="̅"/>
+                            <m:ctrlPr>
+                              <a:rPr lang="en-US" sz="2000" i="1">
+                                <a:solidFill>
+                                  <a:schemeClr val="tx2">
+                                    <a:lumMod val="50000"/>
+                                  </a:schemeClr>
+                                </a:solidFill>
+                                <a:effectLst/>
+                                <a:latin typeface="Cambria Math" panose="02040503050406030204" pitchFamily="18" charset="0"/>
+                                <a:ea typeface="Times New Roman" panose="02020603050405020304" pitchFamily="18" charset="0"/>
+                                <a:cs typeface="Calibri" panose="020F0502020204030204" pitchFamily="34" charset="0"/>
+                              </a:rPr>
+                            </m:ctrlPr>
+                          </m:accPr>
+                          <m:e>
+                            <m:r>
+                              <m:rPr>
+                                <m:sty m:val="p"/>
+                              </m:rPr>
+                              <a:rPr lang="en-US" sz="2000" i="0">
+                                <a:solidFill>
+                                  <a:schemeClr val="tx2">
+                                    <a:lumMod val="50000"/>
+                                  </a:schemeClr>
+                                </a:solidFill>
+                                <a:effectLst/>
+                                <a:latin typeface="Cambria Math" panose="02040503050406030204" pitchFamily="18" charset="0"/>
+                                <a:ea typeface="Times New Roman" panose="02020603050405020304" pitchFamily="18" charset="0"/>
+                                <a:cs typeface="Calibri" panose="020F0502020204030204" pitchFamily="34" charset="0"/>
+                              </a:rPr>
+                              <m:t>r</m:t>
+                            </m:r>
+                          </m:e>
+                        </m:acc>
+                      </m:e>
+                      <m:sub>
+                        <m:r>
+                          <m:rPr>
+                            <m:sty m:val="p"/>
+                          </m:rPr>
+                          <a:rPr lang="en-US" sz="2000" i="0">
+                            <a:solidFill>
+                              <a:schemeClr val="tx2">
+                                <a:lumMod val="50000"/>
+                              </a:schemeClr>
+                            </a:solidFill>
+                            <a:effectLst/>
+                            <a:latin typeface="Cambria Math" panose="02040503050406030204" pitchFamily="18" charset="0"/>
+                            <a:ea typeface="Times New Roman" panose="02020603050405020304" pitchFamily="18" charset="0"/>
+                            <a:cs typeface="Calibri" panose="020F0502020204030204" pitchFamily="34" charset="0"/>
+                          </a:rPr>
+                          <m:t>PD</m:t>
+                        </m:r>
+                      </m:sub>
+                    </m:sSub>
+                  </m:oMath>
+                </a14:m>
+                <a:r>
+                  <a:rPr lang="en-US" sz="2000" i="0" dirty="0">
+                    <a:solidFill>
+                      <a:schemeClr val="tx2">
+                        <a:lumMod val="50000"/>
+                      </a:schemeClr>
+                    </a:solidFill>
+                    <a:effectLst/>
+                    <a:latin typeface="Cambria" panose="02040503050406030204" pitchFamily="18" charset="0"/>
+                    <a:ea typeface="Times New Roman" panose="02020603050405020304" pitchFamily="18" charset="0"/>
+                    <a:cs typeface="Calibri" panose="020F0502020204030204" pitchFamily="34" charset="0"/>
+                  </a:rPr>
+                  <a:t>=</a:t>
+                </a:r>
+                <a:r>
+                  <a:rPr lang="en-US" dirty="0">
+                    <a:solidFill>
+                      <a:schemeClr val="tx2">
+                        <a:lumMod val="50000"/>
+                      </a:schemeClr>
+                    </a:solidFill>
+                    <a:latin typeface="Cambria" panose="02040503050406030204" pitchFamily="18" charset="0"/>
+                    <a:ea typeface="Times New Roman" panose="02020603050405020304" pitchFamily="18" charset="0"/>
+                    <a:cs typeface="Calibri" panose="020F0502020204030204" pitchFamily="34" charset="0"/>
+                  </a:rPr>
+                  <a:t> </a:t>
+                </a:r>
+                <a14:m>
+                  <m:oMath xmlns:m="http://schemas.openxmlformats.org/officeDocument/2006/math">
+                    <m:func>
+                      <m:funcPr>
+                        <m:ctrlPr>
+                          <a:rPr lang="en-US" i="1" dirty="0" smtClean="0">
+                            <a:solidFill>
+                              <a:schemeClr val="tx2">
+                                <a:lumMod val="50000"/>
+                              </a:schemeClr>
+                            </a:solidFill>
+                            <a:latin typeface="Cambria Math" panose="02040503050406030204" pitchFamily="18" charset="0"/>
+                          </a:rPr>
+                        </m:ctrlPr>
+                      </m:funcPr>
+                      <m:fName>
+                        <m:sSub>
+                          <m:sSubPr>
+                            <m:ctrlPr>
+                              <a:rPr lang="en-US" i="1" dirty="0" smtClean="0">
+                                <a:solidFill>
+                                  <a:schemeClr val="tx2">
+                                    <a:lumMod val="50000"/>
+                                  </a:schemeClr>
+                                </a:solidFill>
+                                <a:latin typeface="Cambria Math" panose="02040503050406030204" pitchFamily="18" charset="0"/>
+                              </a:rPr>
+                            </m:ctrlPr>
+                          </m:sSubPr>
+                          <m:e>
+                            <m:r>
+                              <m:rPr>
+                                <m:sty m:val="p"/>
+                              </m:rPr>
+                              <a:rPr lang="en-US" i="0" dirty="0" smtClean="0">
+                                <a:solidFill>
+                                  <a:schemeClr val="tx2">
+                                    <a:lumMod val="50000"/>
+                                  </a:schemeClr>
+                                </a:solidFill>
+                                <a:latin typeface="Cambria Math" panose="02040503050406030204" pitchFamily="18" charset="0"/>
+                              </a:rPr>
+                              <m:t>log</m:t>
+                            </m:r>
+                          </m:e>
+                          <m:sub>
+                            <m:r>
+                              <a:rPr lang="en-US" b="0" i="1" dirty="0" smtClean="0">
+                                <a:solidFill>
+                                  <a:schemeClr val="tx2">
+                                    <a:lumMod val="50000"/>
+                                  </a:schemeClr>
+                                </a:solidFill>
+                                <a:latin typeface="Cambria Math" panose="02040503050406030204" pitchFamily="18" charset="0"/>
+                              </a:rPr>
+                              <m:t>2</m:t>
+                            </m:r>
+                          </m:sub>
+                        </m:sSub>
+                      </m:fName>
+                      <m:e>
+                        <m:d>
+                          <m:dPr>
+                            <m:ctrlPr>
+                              <a:rPr lang="en-US" i="1" dirty="0">
+                                <a:solidFill>
+                                  <a:schemeClr val="tx2">
+                                    <a:lumMod val="50000"/>
+                                  </a:schemeClr>
+                                </a:solidFill>
+                                <a:latin typeface="Cambria Math" panose="02040503050406030204" pitchFamily="18" charset="0"/>
+                              </a:rPr>
+                            </m:ctrlPr>
+                          </m:dPr>
+                          <m:e>
+                            <m:r>
+                              <a:rPr lang="en-US" i="1" dirty="0">
+                                <a:solidFill>
+                                  <a:schemeClr val="tx2">
+                                    <a:lumMod val="50000"/>
+                                  </a:schemeClr>
+                                </a:solidFill>
+                                <a:latin typeface="Cambria Math" panose="02040503050406030204" pitchFamily="18" charset="0"/>
+                              </a:rPr>
+                              <m:t>1</m:t>
+                            </m:r>
+                            <m:r>
+                              <a:rPr lang="en-US" i="1" dirty="0">
+                                <a:solidFill>
+                                  <a:schemeClr val="tx2">
+                                    <a:lumMod val="50000"/>
+                                  </a:schemeClr>
+                                </a:solidFill>
+                                <a:latin typeface="Cambria Math" panose="02040503050406030204" pitchFamily="18" charset="0"/>
+                              </a:rPr>
+                              <m:t>+</m:t>
+                            </m:r>
+                            <m:f>
+                              <m:fPr>
+                                <m:ctrlPr>
+                                  <a:rPr lang="en-US" i="1">
+                                    <a:solidFill>
+                                      <a:schemeClr val="tx2">
+                                        <a:lumMod val="50000"/>
+                                      </a:schemeClr>
+                                    </a:solidFill>
+                                    <a:latin typeface="Cambria Math" panose="02040503050406030204" pitchFamily="18" charset="0"/>
+                                    <a:ea typeface="Times New Roman" panose="02020603050405020304" pitchFamily="18" charset="0"/>
+                                    <a:cs typeface="Calibri" panose="020F0502020204030204" pitchFamily="34" charset="0"/>
+                                  </a:rPr>
+                                </m:ctrlPr>
+                              </m:fPr>
+                              <m:num>
+                                <m:sSup>
+                                  <m:sSupPr>
+                                    <m:ctrlPr>
+                                      <a:rPr lang="en-US" i="1">
+                                        <a:solidFill>
+                                          <a:schemeClr val="tx2">
+                                            <a:lumMod val="50000"/>
+                                          </a:schemeClr>
+                                        </a:solidFill>
+                                        <a:latin typeface="Cambria Math" panose="02040503050406030204" pitchFamily="18" charset="0"/>
+                                        <a:ea typeface="Times New Roman" panose="02020603050405020304" pitchFamily="18" charset="0"/>
+                                        <a:cs typeface="Calibri" panose="020F0502020204030204" pitchFamily="34" charset="0"/>
+                                      </a:rPr>
+                                    </m:ctrlPr>
+                                  </m:sSupPr>
+                                  <m:e>
+                                    <m:d>
+                                      <m:dPr>
+                                        <m:begChr m:val="|"/>
+                                        <m:endChr m:val="|"/>
+                                        <m:ctrlPr>
+                                          <a:rPr lang="en-US" i="1">
+                                            <a:solidFill>
+                                              <a:schemeClr val="tx2">
+                                                <a:lumMod val="50000"/>
+                                              </a:schemeClr>
+                                            </a:solidFill>
+                                            <a:latin typeface="Cambria Math" panose="02040503050406030204" pitchFamily="18" charset="0"/>
+                                            <a:ea typeface="Times New Roman" panose="02020603050405020304" pitchFamily="18" charset="0"/>
+                                            <a:cs typeface="Calibri" panose="020F0502020204030204" pitchFamily="34" charset="0"/>
+                                          </a:rPr>
+                                        </m:ctrlPr>
+                                      </m:dPr>
+                                      <m:e>
+                                        <m:sSub>
+                                          <m:sSubPr>
+                                            <m:ctrlPr>
+                                              <a:rPr lang="en-US" i="1">
+                                                <a:solidFill>
+                                                  <a:schemeClr val="tx2">
+                                                    <a:lumMod val="50000"/>
+                                                  </a:schemeClr>
+                                                </a:solidFill>
+                                                <a:latin typeface="Cambria Math" panose="02040503050406030204" pitchFamily="18" charset="0"/>
+                                                <a:ea typeface="Times New Roman" panose="02020603050405020304" pitchFamily="18" charset="0"/>
+                                                <a:cs typeface="Calibri" panose="020F0502020204030204" pitchFamily="34" charset="0"/>
+                                              </a:rPr>
+                                            </m:ctrlPr>
+                                          </m:sSubPr>
+                                          <m:e>
+                                            <m:r>
+                                              <m:rPr>
+                                                <m:sty m:val="p"/>
+                                              </m:rPr>
+                                              <a:rPr lang="en-US">
+                                                <a:solidFill>
+                                                  <a:schemeClr val="tx2">
+                                                    <a:lumMod val="50000"/>
+                                                  </a:schemeClr>
+                                                </a:solidFill>
+                                                <a:latin typeface="Cambria Math" panose="02040503050406030204" pitchFamily="18" charset="0"/>
+                                                <a:ea typeface="Times New Roman" panose="02020603050405020304" pitchFamily="18" charset="0"/>
+                                                <a:cs typeface="Calibri" panose="020F0502020204030204" pitchFamily="34" charset="0"/>
+                                              </a:rPr>
+                                              <m:t>h</m:t>
+                                            </m:r>
+                                          </m:e>
+                                          <m:sub>
+                                            <m:r>
+                                              <m:rPr>
+                                                <m:sty m:val="p"/>
+                                              </m:rPr>
+                                              <a:rPr lang="en-US">
+                                                <a:solidFill>
+                                                  <a:schemeClr val="tx2">
+                                                    <a:lumMod val="50000"/>
+                                                  </a:schemeClr>
+                                                </a:solidFill>
+                                                <a:latin typeface="Cambria Math" panose="02040503050406030204" pitchFamily="18" charset="0"/>
+                                                <a:ea typeface="Times New Roman" panose="02020603050405020304" pitchFamily="18" charset="0"/>
+                                                <a:cs typeface="Calibri" panose="020F0502020204030204" pitchFamily="34" charset="0"/>
+                                              </a:rPr>
+                                              <m:t>SD</m:t>
+                                            </m:r>
+                                          </m:sub>
+                                        </m:sSub>
+                                      </m:e>
+                                    </m:d>
+                                  </m:e>
+                                  <m:sup>
+                                    <m:r>
+                                      <a:rPr lang="en-US">
+                                        <a:solidFill>
+                                          <a:schemeClr val="tx2">
+                                            <a:lumMod val="50000"/>
+                                          </a:schemeClr>
+                                        </a:solidFill>
+                                        <a:latin typeface="Cambria Math" panose="02040503050406030204" pitchFamily="18" charset="0"/>
+                                        <a:ea typeface="Times New Roman" panose="02020603050405020304" pitchFamily="18" charset="0"/>
+                                        <a:cs typeface="Calibri" panose="020F0502020204030204" pitchFamily="34" charset="0"/>
+                                      </a:rPr>
+                                      <m:t>2</m:t>
+                                    </m:r>
+                                  </m:sup>
+                                </m:sSup>
+                                <m:r>
+                                  <m:rPr>
+                                    <m:sty m:val="p"/>
+                                  </m:rPr>
+                                  <a:rPr lang="en-US">
+                                    <a:solidFill>
+                                      <a:schemeClr val="tx2">
+                                        <a:lumMod val="50000"/>
+                                      </a:schemeClr>
+                                    </a:solidFill>
+                                    <a:latin typeface="Cambria Math" panose="02040503050406030204" pitchFamily="18" charset="0"/>
+                                    <a:ea typeface="Times New Roman" panose="02020603050405020304" pitchFamily="18" charset="0"/>
+                                    <a:cs typeface="Calibri" panose="020F0502020204030204" pitchFamily="34" charset="0"/>
+                                  </a:rPr>
+                                  <m:t>P</m:t>
+                                </m:r>
+                                <m:r>
+                                  <m:rPr>
+                                    <m:sty m:val="p"/>
+                                  </m:rPr>
+                                  <a:rPr lang="en-US" baseline="-25000">
+                                    <a:solidFill>
+                                      <a:schemeClr val="tx2">
+                                        <a:lumMod val="50000"/>
+                                      </a:schemeClr>
+                                    </a:solidFill>
+                                    <a:latin typeface="Cambria Math" panose="02040503050406030204" pitchFamily="18" charset="0"/>
+                                    <a:ea typeface="Times New Roman" panose="02020603050405020304" pitchFamily="18" charset="0"/>
+                                    <a:cs typeface="Calibri" panose="020F0502020204030204" pitchFamily="34" charset="0"/>
+                                  </a:rPr>
+                                  <m:t>S</m:t>
+                                </m:r>
+                              </m:num>
+                              <m:den>
+                                <m:sSup>
+                                  <m:sSupPr>
+                                    <m:ctrlPr>
+                                      <a:rPr lang="en-US" i="1">
+                                        <a:solidFill>
+                                          <a:schemeClr val="tx2">
+                                            <a:lumMod val="50000"/>
+                                          </a:schemeClr>
+                                        </a:solidFill>
+                                        <a:latin typeface="Cambria Math" panose="02040503050406030204" pitchFamily="18" charset="0"/>
+                                        <a:ea typeface="Times New Roman" panose="02020603050405020304" pitchFamily="18" charset="0"/>
+                                        <a:cs typeface="Calibri" panose="020F0502020204030204" pitchFamily="34" charset="0"/>
+                                      </a:rPr>
+                                    </m:ctrlPr>
+                                  </m:sSupPr>
+                                  <m:e>
+                                    <m:d>
+                                      <m:dPr>
+                                        <m:begChr m:val="|"/>
+                                        <m:endChr m:val="|"/>
+                                        <m:ctrlPr>
+                                          <a:rPr lang="en-US" i="1">
+                                            <a:solidFill>
+                                              <a:schemeClr val="tx2">
+                                                <a:lumMod val="50000"/>
+                                              </a:schemeClr>
+                                            </a:solidFill>
+                                            <a:latin typeface="Cambria Math" panose="02040503050406030204" pitchFamily="18" charset="0"/>
+                                            <a:ea typeface="Times New Roman" panose="02020603050405020304" pitchFamily="18" charset="0"/>
+                                            <a:cs typeface="Calibri" panose="020F0502020204030204" pitchFamily="34" charset="0"/>
+                                          </a:rPr>
+                                        </m:ctrlPr>
+                                      </m:dPr>
+                                      <m:e>
+                                        <m:sSub>
+                                          <m:sSubPr>
+                                            <m:ctrlPr>
+                                              <a:rPr lang="en-US" altLang="ko-KR" i="1">
+                                                <a:solidFill>
+                                                  <a:schemeClr val="tx2">
+                                                    <a:lumMod val="50000"/>
+                                                  </a:schemeClr>
+                                                </a:solidFill>
+                                                <a:latin typeface="Cambria Math" panose="02040503050406030204" pitchFamily="18" charset="0"/>
+                                              </a:rPr>
+                                            </m:ctrlPr>
+                                          </m:sSubPr>
+                                          <m:e>
+                                            <m:acc>
+                                              <m:accPr>
+                                                <m:chr m:val="̃"/>
+                                                <m:ctrlPr>
+                                                  <a:rPr lang="en-US" altLang="ko-KR" i="1">
+                                                    <a:solidFill>
+                                                      <a:schemeClr val="tx2">
+                                                        <a:lumMod val="50000"/>
+                                                      </a:schemeClr>
+                                                    </a:solidFill>
+                                                    <a:latin typeface="Cambria Math" panose="02040503050406030204" pitchFamily="18" charset="0"/>
+                                                  </a:rPr>
+                                                </m:ctrlPr>
+                                              </m:accPr>
+                                              <m:e>
+                                                <m:r>
+                                                  <m:rPr>
+                                                    <m:sty m:val="p"/>
+                                                  </m:rPr>
+                                                  <a:rPr lang="en-US" altLang="ko-KR">
+                                                    <a:solidFill>
+                                                      <a:schemeClr val="tx2">
+                                                        <a:lumMod val="50000"/>
+                                                      </a:schemeClr>
+                                                    </a:solidFill>
+                                                    <a:latin typeface="Cambria Math" panose="02040503050406030204" pitchFamily="18" charset="0"/>
+                                                  </a:rPr>
+                                                  <m:t>h</m:t>
+                                                </m:r>
+                                              </m:e>
+                                            </m:acc>
+                                          </m:e>
+                                          <m:sub>
+                                            <m:r>
+                                              <m:rPr>
+                                                <m:sty m:val="p"/>
+                                              </m:rPr>
+                                              <a:rPr lang="en-US" altLang="ko-KR">
+                                                <a:solidFill>
+                                                  <a:schemeClr val="tx2">
+                                                    <a:lumMod val="50000"/>
+                                                  </a:schemeClr>
+                                                </a:solidFill>
+                                                <a:latin typeface="Cambria Math" panose="02040503050406030204" pitchFamily="18" charset="0"/>
+                                              </a:rPr>
+                                              <m:t>DD</m:t>
+                                            </m:r>
+                                          </m:sub>
+                                        </m:sSub>
+                                      </m:e>
+                                    </m:d>
+                                  </m:e>
+                                  <m:sup>
+                                    <m:r>
+                                      <a:rPr lang="en-US" i="1">
+                                        <a:solidFill>
+                                          <a:schemeClr val="tx2">
+                                            <a:lumMod val="50000"/>
+                                          </a:schemeClr>
+                                        </a:solidFill>
+                                        <a:latin typeface="Cambria Math" panose="02040503050406030204" pitchFamily="18" charset="0"/>
+                                        <a:ea typeface="Times New Roman" panose="02020603050405020304" pitchFamily="18" charset="0"/>
+                                        <a:cs typeface="Calibri" panose="020F0502020204030204" pitchFamily="34" charset="0"/>
+                                      </a:rPr>
+                                      <m:t>2</m:t>
+                                    </m:r>
+                                  </m:sup>
+                                </m:sSup>
+                                <m:sSub>
+                                  <m:sSubPr>
+                                    <m:ctrlPr>
+                                      <a:rPr lang="en-US" i="1">
+                                        <a:solidFill>
+                                          <a:schemeClr val="tx2">
+                                            <a:lumMod val="50000"/>
+                                          </a:schemeClr>
+                                        </a:solidFill>
+                                        <a:latin typeface="Cambria Math" panose="02040503050406030204" pitchFamily="18" charset="0"/>
+                                        <a:ea typeface="Times New Roman" panose="02020603050405020304" pitchFamily="18" charset="0"/>
+                                        <a:cs typeface="Calibri" panose="020F0502020204030204" pitchFamily="34" charset="0"/>
+                                      </a:rPr>
+                                    </m:ctrlPr>
+                                  </m:sSubPr>
+                                  <m:e>
+                                    <m:r>
+                                      <m:rPr>
+                                        <m:sty m:val="p"/>
+                                      </m:rPr>
+                                      <a:rPr lang="en-US">
+                                        <a:solidFill>
+                                          <a:schemeClr val="tx2">
+                                            <a:lumMod val="50000"/>
+                                          </a:schemeClr>
+                                        </a:solidFill>
+                                        <a:latin typeface="Cambria Math" panose="02040503050406030204" pitchFamily="18" charset="0"/>
+                                        <a:ea typeface="Times New Roman" panose="02020603050405020304" pitchFamily="18" charset="0"/>
+                                        <a:cs typeface="Calibri" panose="020F0502020204030204" pitchFamily="34" charset="0"/>
+                                      </a:rPr>
+                                      <m:t>P</m:t>
+                                    </m:r>
+                                  </m:e>
+                                  <m:sub>
+                                    <m:r>
+                                      <m:rPr>
+                                        <m:sty m:val="p"/>
+                                      </m:rPr>
+                                      <a:rPr lang="en-US">
+                                        <a:solidFill>
+                                          <a:schemeClr val="tx2">
+                                            <a:lumMod val="50000"/>
+                                          </a:schemeClr>
+                                        </a:solidFill>
+                                        <a:latin typeface="Cambria Math" panose="02040503050406030204" pitchFamily="18" charset="0"/>
+                                        <a:ea typeface="Times New Roman" panose="02020603050405020304" pitchFamily="18" charset="0"/>
+                                        <a:cs typeface="Calibri" panose="020F0502020204030204" pitchFamily="34" charset="0"/>
+                                      </a:rPr>
+                                      <m:t>D</m:t>
+                                    </m:r>
+                                  </m:sub>
+                                </m:sSub>
+                                <m:r>
+                                  <a:rPr lang="en-US" i="1">
+                                    <a:solidFill>
+                                      <a:schemeClr val="tx2">
+                                        <a:lumMod val="50000"/>
+                                      </a:schemeClr>
+                                    </a:solidFill>
+                                    <a:latin typeface="Cambria Math" panose="02040503050406030204" pitchFamily="18" charset="0"/>
+                                    <a:ea typeface="Times New Roman" panose="02020603050405020304" pitchFamily="18" charset="0"/>
+                                    <a:cs typeface="Calibri" panose="020F0502020204030204" pitchFamily="34" charset="0"/>
+                                  </a:rPr>
+                                  <m:t>+</m:t>
+                                </m:r>
+                                <m:sSubSup>
+                                  <m:sSubSupPr>
+                                    <m:ctrlPr>
+                                      <a:rPr lang="en-US" i="1">
+                                        <a:solidFill>
+                                          <a:schemeClr val="tx2">
+                                            <a:lumMod val="50000"/>
+                                          </a:schemeClr>
+                                        </a:solidFill>
+                                        <a:latin typeface="Cambria Math" panose="02040503050406030204" pitchFamily="18" charset="0"/>
+                                        <a:ea typeface="Times New Roman" panose="02020603050405020304" pitchFamily="18" charset="0"/>
+                                        <a:cs typeface="Calibri" panose="020F0502020204030204" pitchFamily="34" charset="0"/>
+                                      </a:rPr>
+                                    </m:ctrlPr>
+                                  </m:sSubSupPr>
+                                  <m:e>
+                                    <m:r>
+                                      <m:rPr>
+                                        <m:sty m:val="p"/>
+                                      </m:rPr>
+                                      <a:rPr lang="en-US">
+                                        <a:solidFill>
+                                          <a:schemeClr val="tx2">
+                                            <a:lumMod val="50000"/>
+                                          </a:schemeClr>
+                                        </a:solidFill>
+                                        <a:latin typeface="Cambria Math" panose="02040503050406030204" pitchFamily="18" charset="0"/>
+                                        <a:ea typeface="Times New Roman" panose="02020603050405020304" pitchFamily="18" charset="0"/>
+                                        <a:cs typeface="Calibri" panose="020F0502020204030204" pitchFamily="34" charset="0"/>
+                                      </a:rPr>
+                                      <m:t>σ</m:t>
+                                    </m:r>
+                                  </m:e>
+                                  <m:sub>
+                                    <m:r>
+                                      <m:rPr>
+                                        <m:sty m:val="p"/>
+                                      </m:rPr>
+                                      <a:rPr lang="en-US">
+                                        <a:solidFill>
+                                          <a:schemeClr val="tx2">
+                                            <a:lumMod val="50000"/>
+                                          </a:schemeClr>
+                                        </a:solidFill>
+                                        <a:latin typeface="Cambria Math" panose="02040503050406030204" pitchFamily="18" charset="0"/>
+                                        <a:ea typeface="Times New Roman" panose="02020603050405020304" pitchFamily="18" charset="0"/>
+                                        <a:cs typeface="Calibri" panose="020F0502020204030204" pitchFamily="34" charset="0"/>
+                                      </a:rPr>
+                                      <m:t>D</m:t>
+                                    </m:r>
+                                  </m:sub>
+                                  <m:sup>
+                                    <m:r>
+                                      <a:rPr lang="en-US">
+                                        <a:solidFill>
+                                          <a:schemeClr val="tx2">
+                                            <a:lumMod val="50000"/>
+                                          </a:schemeClr>
+                                        </a:solidFill>
+                                        <a:latin typeface="Cambria Math" panose="02040503050406030204" pitchFamily="18" charset="0"/>
+                                        <a:ea typeface="Times New Roman" panose="02020603050405020304" pitchFamily="18" charset="0"/>
+                                        <a:cs typeface="Calibri" panose="020F0502020204030204" pitchFamily="34" charset="0"/>
+                                      </a:rPr>
+                                      <m:t>2</m:t>
+                                    </m:r>
+                                  </m:sup>
+                                </m:sSubSup>
+                                <m:r>
+                                  <a:rPr lang="en-US" i="1">
+                                    <a:solidFill>
+                                      <a:schemeClr val="tx2">
+                                        <a:lumMod val="50000"/>
+                                      </a:schemeClr>
+                                    </a:solidFill>
+                                    <a:latin typeface="Cambria Math" panose="02040503050406030204" pitchFamily="18" charset="0"/>
+                                    <a:ea typeface="Times New Roman" panose="02020603050405020304" pitchFamily="18" charset="0"/>
+                                    <a:cs typeface="Calibri" panose="020F0502020204030204" pitchFamily="34" charset="0"/>
+                                  </a:rPr>
+                                  <m:t>  </m:t>
+                                </m:r>
+                              </m:den>
+                            </m:f>
+                          </m:e>
+                        </m:d>
+                      </m:e>
+                    </m:func>
+                  </m:oMath>
+                </a14:m>
+                <a:endParaRPr lang="en-US" dirty="0"/>
+              </a:p>
+              <a:p>
+                <a:pPr lvl="1">
+                  <a:lnSpc>
+                    <a:spcPct val="150000"/>
+                  </a:lnSpc>
+                </a:pPr>
+                <a:r>
+                  <a:rPr lang="en-US" dirty="0"/>
+                  <a:t>The achievable public data rate (</a:t>
+                </a:r>
+                <a14:m>
+                  <m:oMath xmlns:m="http://schemas.openxmlformats.org/officeDocument/2006/math">
+                    <m:sSub>
+                      <m:sSubPr>
+                        <m:ctrlPr>
+                          <a:rPr lang="en-US" i="1">
+                            <a:solidFill>
+                              <a:schemeClr val="tx2">
+                                <a:lumMod val="50000"/>
+                              </a:schemeClr>
+                            </a:solidFill>
+                            <a:latin typeface="Cambria Math" panose="02040503050406030204" pitchFamily="18" charset="0"/>
+                            <a:ea typeface="Times New Roman" panose="02020603050405020304" pitchFamily="18" charset="0"/>
+                            <a:cs typeface="Calibri" panose="020F0502020204030204" pitchFamily="34" charset="0"/>
+                          </a:rPr>
+                        </m:ctrlPr>
+                      </m:sSubPr>
+                      <m:e>
+                        <m:acc>
+                          <m:accPr>
+                            <m:chr m:val="̅"/>
+                            <m:ctrlPr>
+                              <a:rPr lang="en-US" i="1">
+                                <a:solidFill>
+                                  <a:schemeClr val="tx2">
+                                    <a:lumMod val="50000"/>
+                                  </a:schemeClr>
+                                </a:solidFill>
+                                <a:latin typeface="Cambria Math" panose="02040503050406030204" pitchFamily="18" charset="0"/>
+                                <a:ea typeface="Times New Roman" panose="02020603050405020304" pitchFamily="18" charset="0"/>
+                                <a:cs typeface="Calibri" panose="020F0502020204030204" pitchFamily="34" charset="0"/>
+                              </a:rPr>
+                            </m:ctrlPr>
+                          </m:accPr>
+                          <m:e>
+                            <m:r>
+                              <m:rPr>
+                                <m:sty m:val="p"/>
+                              </m:rPr>
+                              <a:rPr lang="en-US">
+                                <a:solidFill>
+                                  <a:schemeClr val="tx2">
+                                    <a:lumMod val="50000"/>
+                                  </a:schemeClr>
+                                </a:solidFill>
+                                <a:latin typeface="Cambria Math" panose="02040503050406030204" pitchFamily="18" charset="0"/>
+                                <a:ea typeface="Times New Roman" panose="02020603050405020304" pitchFamily="18" charset="0"/>
+                                <a:cs typeface="Calibri" panose="020F0502020204030204" pitchFamily="34" charset="0"/>
+                              </a:rPr>
+                              <m:t>r</m:t>
+                            </m:r>
+                          </m:e>
+                        </m:acc>
+                      </m:e>
+                      <m:sub>
+                        <m:r>
+                          <m:rPr>
+                            <m:sty m:val="p"/>
+                          </m:rPr>
+                          <a:rPr lang="en-US">
+                            <a:solidFill>
+                              <a:schemeClr val="tx2">
+                                <a:lumMod val="50000"/>
+                              </a:schemeClr>
+                            </a:solidFill>
+                            <a:latin typeface="Cambria Math" panose="02040503050406030204" pitchFamily="18" charset="0"/>
+                            <a:ea typeface="Times New Roman" panose="02020603050405020304" pitchFamily="18" charset="0"/>
+                            <a:cs typeface="Calibri" panose="020F0502020204030204" pitchFamily="34" charset="0"/>
+                          </a:rPr>
+                          <m:t>PD</m:t>
+                        </m:r>
+                      </m:sub>
+                    </m:sSub>
+                  </m:oMath>
+                </a14:m>
+                <a:r>
+                  <a:rPr lang="en-US" dirty="0"/>
+                  <a:t>) is determined as a </a:t>
+                </a:r>
+                <a:r>
+                  <a:rPr lang="en-US" dirty="0">
+                    <a:solidFill>
+                      <a:schemeClr val="accent1">
+                        <a:lumMod val="75000"/>
+                      </a:schemeClr>
+                    </a:solidFill>
+                  </a:rPr>
+                  <a:t>logarithmic function.</a:t>
+                </a:r>
+                <a:endParaRPr lang="en-US" dirty="0"/>
+              </a:p>
+              <a:p>
+                <a:pPr lvl="1">
+                  <a:lnSpc>
+                    <a:spcPct val="150000"/>
+                  </a:lnSpc>
+                </a:pPr>
+                <a:r>
+                  <a:rPr lang="en-US" dirty="0"/>
+                  <a:t>It is </a:t>
+                </a:r>
+                <a:r>
+                  <a:rPr lang="en-US" dirty="0">
+                    <a:solidFill>
+                      <a:schemeClr val="accent1">
+                        <a:lumMod val="75000"/>
+                      </a:schemeClr>
+                    </a:solidFill>
+                  </a:rPr>
+                  <a:t>calculated based on the ratio </a:t>
+                </a:r>
+                <a:r>
+                  <a:rPr lang="en-US" dirty="0"/>
+                  <a:t>of the squared magnitude of the channel from the source to   the destination (</a:t>
+                </a:r>
+                <a14:m>
+                  <m:oMath xmlns:m="http://schemas.openxmlformats.org/officeDocument/2006/math">
+                    <m:sSup>
+                      <m:sSupPr>
+                        <m:ctrlPr>
+                          <a:rPr lang="en-US" i="1" smtClean="0">
+                            <a:solidFill>
+                              <a:srgbClr val="222A35"/>
+                            </a:solidFill>
+                            <a:effectLst/>
+                            <a:latin typeface="Cambria Math" panose="02040503050406030204" pitchFamily="18" charset="0"/>
+                            <a:ea typeface="Times New Roman" panose="02020603050405020304" pitchFamily="18" charset="0"/>
+                            <a:cs typeface="Calibri" panose="020F0502020204030204" pitchFamily="34" charset="0"/>
+                          </a:rPr>
+                        </m:ctrlPr>
+                      </m:sSupPr>
+                      <m:e>
+                        <m:d>
+                          <m:dPr>
+                            <m:begChr m:val="|"/>
+                            <m:endChr m:val="|"/>
+                            <m:ctrlPr>
+                              <a:rPr lang="en-US" i="1">
+                                <a:solidFill>
+                                  <a:srgbClr val="222A35"/>
+                                </a:solidFill>
+                                <a:effectLst/>
+                                <a:latin typeface="Cambria Math" panose="02040503050406030204" pitchFamily="18" charset="0"/>
+                                <a:ea typeface="Times New Roman" panose="02020603050405020304" pitchFamily="18" charset="0"/>
+                                <a:cs typeface="Calibri" panose="020F0502020204030204" pitchFamily="34" charset="0"/>
+                              </a:rPr>
+                            </m:ctrlPr>
+                          </m:dPr>
+                          <m:e>
+                            <m:sSub>
+                              <m:sSubPr>
+                                <m:ctrlPr>
+                                  <a:rPr lang="en-US" i="1">
+                                    <a:solidFill>
+                                      <a:schemeClr val="tx2">
+                                        <a:lumMod val="50000"/>
+                                      </a:schemeClr>
+                                    </a:solidFill>
+                                    <a:latin typeface="Cambria Math" panose="02040503050406030204" pitchFamily="18" charset="0"/>
+                                    <a:ea typeface="Times New Roman" panose="02020603050405020304" pitchFamily="18" charset="0"/>
+                                    <a:cs typeface="Calibri" panose="020F0502020204030204" pitchFamily="34" charset="0"/>
+                                  </a:rPr>
+                                </m:ctrlPr>
+                              </m:sSubPr>
+                              <m:e>
+                                <m:r>
+                                  <m:rPr>
+                                    <m:sty m:val="p"/>
+                                  </m:rPr>
+                                  <a:rPr lang="en-US">
+                                    <a:solidFill>
+                                      <a:schemeClr val="tx2">
+                                        <a:lumMod val="50000"/>
+                                      </a:schemeClr>
+                                    </a:solidFill>
+                                    <a:latin typeface="Cambria Math" panose="02040503050406030204" pitchFamily="18" charset="0"/>
+                                    <a:ea typeface="Times New Roman" panose="02020603050405020304" pitchFamily="18" charset="0"/>
+                                    <a:cs typeface="Calibri" panose="020F0502020204030204" pitchFamily="34" charset="0"/>
+                                  </a:rPr>
+                                  <m:t>h</m:t>
+                                </m:r>
+                              </m:e>
+                              <m:sub>
+                                <m:r>
+                                  <m:rPr>
+                                    <m:sty m:val="p"/>
+                                  </m:rPr>
+                                  <a:rPr lang="en-US">
+                                    <a:solidFill>
+                                      <a:schemeClr val="tx2">
+                                        <a:lumMod val="50000"/>
+                                      </a:schemeClr>
+                                    </a:solidFill>
+                                    <a:latin typeface="Cambria Math" panose="02040503050406030204" pitchFamily="18" charset="0"/>
+                                    <a:ea typeface="Times New Roman" panose="02020603050405020304" pitchFamily="18" charset="0"/>
+                                    <a:cs typeface="Calibri" panose="020F0502020204030204" pitchFamily="34" charset="0"/>
+                                  </a:rPr>
+                                  <m:t>SD</m:t>
+                                </m:r>
+                              </m:sub>
+                            </m:sSub>
+                          </m:e>
+                        </m:d>
+                      </m:e>
+                      <m:sup>
+                        <m:r>
+                          <a:rPr lang="en-US" i="1">
+                            <a:solidFill>
+                              <a:srgbClr val="222A35"/>
+                            </a:solidFill>
+                            <a:effectLst/>
+                            <a:latin typeface="Cambria Math" panose="02040503050406030204" pitchFamily="18" charset="0"/>
+                            <a:ea typeface="Times New Roman" panose="02020603050405020304" pitchFamily="18" charset="0"/>
+                            <a:cs typeface="Calibri" panose="020F0502020204030204" pitchFamily="34" charset="0"/>
+                          </a:rPr>
+                          <m:t>2</m:t>
+                        </m:r>
+                      </m:sup>
+                    </m:sSup>
+                  </m:oMath>
+                </a14:m>
+                <a:r>
+                  <a:rPr lang="en-US" dirty="0"/>
+                  <a:t>) and the estimated squared magnitude of the channel at the destination  (</a:t>
+                </a:r>
+                <a14:m>
+                  <m:oMath xmlns:m="http://schemas.openxmlformats.org/officeDocument/2006/math">
+                    <m:sSup>
+                      <m:sSupPr>
+                        <m:ctrlPr>
+                          <a:rPr lang="en-US" i="1">
+                            <a:solidFill>
+                              <a:schemeClr val="tx2">
+                                <a:lumMod val="50000"/>
+                              </a:schemeClr>
+                            </a:solidFill>
+                            <a:latin typeface="Cambria Math" panose="02040503050406030204" pitchFamily="18" charset="0"/>
+                            <a:ea typeface="Times New Roman" panose="02020603050405020304" pitchFamily="18" charset="0"/>
+                            <a:cs typeface="Calibri" panose="020F0502020204030204" pitchFamily="34" charset="0"/>
+                          </a:rPr>
+                        </m:ctrlPr>
+                      </m:sSupPr>
+                      <m:e>
+                        <m:d>
+                          <m:dPr>
+                            <m:begChr m:val="|"/>
+                            <m:endChr m:val="|"/>
+                            <m:ctrlPr>
+                              <a:rPr lang="en-US" i="1">
+                                <a:solidFill>
+                                  <a:schemeClr val="tx2">
+                                    <a:lumMod val="50000"/>
+                                  </a:schemeClr>
+                                </a:solidFill>
+                                <a:latin typeface="Cambria Math" panose="02040503050406030204" pitchFamily="18" charset="0"/>
+                                <a:ea typeface="Times New Roman" panose="02020603050405020304" pitchFamily="18" charset="0"/>
+                                <a:cs typeface="Calibri" panose="020F0502020204030204" pitchFamily="34" charset="0"/>
+                              </a:rPr>
+                            </m:ctrlPr>
+                          </m:dPr>
+                          <m:e>
+                            <m:sSub>
+                              <m:sSubPr>
+                                <m:ctrlPr>
+                                  <a:rPr lang="en-US" altLang="ko-KR" i="1">
+                                    <a:solidFill>
+                                      <a:schemeClr val="tx2">
+                                        <a:lumMod val="50000"/>
+                                      </a:schemeClr>
+                                    </a:solidFill>
+                                    <a:latin typeface="Cambria Math" panose="02040503050406030204" pitchFamily="18" charset="0"/>
+                                  </a:rPr>
+                                </m:ctrlPr>
+                              </m:sSubPr>
+                              <m:e>
+                                <m:acc>
+                                  <m:accPr>
+                                    <m:chr m:val="̃"/>
+                                    <m:ctrlPr>
+                                      <a:rPr lang="en-US" altLang="ko-KR" i="1">
+                                        <a:solidFill>
+                                          <a:schemeClr val="tx2">
+                                            <a:lumMod val="50000"/>
+                                          </a:schemeClr>
+                                        </a:solidFill>
+                                        <a:latin typeface="Cambria Math" panose="02040503050406030204" pitchFamily="18" charset="0"/>
+                                      </a:rPr>
+                                    </m:ctrlPr>
+                                  </m:accPr>
+                                  <m:e>
+                                    <m:r>
+                                      <m:rPr>
+                                        <m:sty m:val="p"/>
+                                      </m:rPr>
+                                      <a:rPr lang="en-US" altLang="ko-KR">
+                                        <a:solidFill>
+                                          <a:schemeClr val="tx2">
+                                            <a:lumMod val="50000"/>
+                                          </a:schemeClr>
+                                        </a:solidFill>
+                                        <a:latin typeface="Cambria Math" panose="02040503050406030204" pitchFamily="18" charset="0"/>
+                                      </a:rPr>
+                                      <m:t>h</m:t>
+                                    </m:r>
+                                  </m:e>
+                                </m:acc>
+                              </m:e>
+                              <m:sub>
+                                <m:r>
+                                  <m:rPr>
+                                    <m:sty m:val="p"/>
+                                  </m:rPr>
+                                  <a:rPr lang="en-US" altLang="ko-KR">
+                                    <a:solidFill>
+                                      <a:schemeClr val="tx2">
+                                        <a:lumMod val="50000"/>
+                                      </a:schemeClr>
+                                    </a:solidFill>
+                                    <a:latin typeface="Cambria Math" panose="02040503050406030204" pitchFamily="18" charset="0"/>
+                                  </a:rPr>
+                                  <m:t>DD</m:t>
+                                </m:r>
+                              </m:sub>
+                            </m:sSub>
+                          </m:e>
+                        </m:d>
+                      </m:e>
+                      <m:sup>
+                        <m:r>
+                          <a:rPr lang="en-US" i="1">
+                            <a:solidFill>
+                              <a:schemeClr val="tx2">
+                                <a:lumMod val="50000"/>
+                              </a:schemeClr>
+                            </a:solidFill>
+                            <a:latin typeface="Cambria Math" panose="02040503050406030204" pitchFamily="18" charset="0"/>
+                            <a:ea typeface="Times New Roman" panose="02020603050405020304" pitchFamily="18" charset="0"/>
+                            <a:cs typeface="Calibri" panose="020F0502020204030204" pitchFamily="34" charset="0"/>
+                          </a:rPr>
+                          <m:t>2</m:t>
+                        </m:r>
+                      </m:sup>
+                    </m:sSup>
+                  </m:oMath>
+                </a14:m>
+                <a:r>
+                  <a:rPr lang="en-US" dirty="0"/>
+                  <a:t>).</a:t>
+                </a:r>
+              </a:p>
+              <a:p>
+                <a:pPr lvl="1">
+                  <a:lnSpc>
+                    <a:spcPct val="150000"/>
+                  </a:lnSpc>
+                </a:pPr>
+                <a:r>
+                  <a:rPr lang="en-US" dirty="0"/>
+                  <a:t>The calculation also </a:t>
+                </a:r>
+                <a:r>
+                  <a:rPr lang="en-US" dirty="0">
+                    <a:solidFill>
+                      <a:schemeClr val="accent1">
+                        <a:lumMod val="75000"/>
+                      </a:schemeClr>
+                    </a:solidFill>
+                  </a:rPr>
+                  <a:t>considers </a:t>
+                </a:r>
+                <a:r>
+                  <a:rPr lang="en-US" dirty="0"/>
+                  <a:t>the source power (</a:t>
+                </a:r>
+                <a14:m>
+                  <m:oMath xmlns:m="http://schemas.openxmlformats.org/officeDocument/2006/math">
+                    <m:r>
+                      <m:rPr>
+                        <m:sty m:val="p"/>
+                      </m:rPr>
+                      <a:rPr lang="en-US" i="0" smtClean="0">
+                        <a:solidFill>
+                          <a:srgbClr val="222A35"/>
+                        </a:solidFill>
+                        <a:effectLst/>
+                        <a:latin typeface="Cambria Math" panose="02040503050406030204" pitchFamily="18" charset="0"/>
+                        <a:ea typeface="Times New Roman" panose="02020603050405020304" pitchFamily="18" charset="0"/>
+                        <a:cs typeface="Calibri" panose="020F0502020204030204" pitchFamily="34" charset="0"/>
+                      </a:rPr>
+                      <m:t>P</m:t>
+                    </m:r>
+                    <m:r>
+                      <m:rPr>
+                        <m:sty m:val="p"/>
+                      </m:rPr>
+                      <a:rPr lang="en-US" b="0" i="0" baseline="-25000" smtClean="0">
+                        <a:solidFill>
+                          <a:srgbClr val="222A35"/>
+                        </a:solidFill>
+                        <a:effectLst/>
+                        <a:latin typeface="Cambria Math" panose="02040503050406030204" pitchFamily="18" charset="0"/>
+                        <a:ea typeface="Times New Roman" panose="02020603050405020304" pitchFamily="18" charset="0"/>
+                        <a:cs typeface="Calibri" panose="020F0502020204030204" pitchFamily="34" charset="0"/>
+                      </a:rPr>
+                      <m:t>S</m:t>
+                    </m:r>
+                  </m:oMath>
+                </a14:m>
+                <a:r>
+                  <a:rPr lang="en-US" dirty="0"/>
+                  <a:t>), destination power (</a:t>
+                </a:r>
+                <a14:m>
+                  <m:oMath xmlns:m="http://schemas.openxmlformats.org/officeDocument/2006/math">
+                    <m:sSub>
+                      <m:sSubPr>
+                        <m:ctrlPr>
+                          <a:rPr lang="en-US" i="1">
+                            <a:solidFill>
+                              <a:srgbClr val="222A35"/>
+                            </a:solidFill>
+                            <a:latin typeface="Cambria Math" panose="02040503050406030204" pitchFamily="18" charset="0"/>
+                            <a:ea typeface="Times New Roman" panose="02020603050405020304" pitchFamily="18" charset="0"/>
+                            <a:cs typeface="Calibri" panose="020F0502020204030204" pitchFamily="34" charset="0"/>
+                          </a:rPr>
+                        </m:ctrlPr>
+                      </m:sSubPr>
+                      <m:e>
+                        <m:r>
+                          <m:rPr>
+                            <m:sty m:val="p"/>
+                          </m:rPr>
+                          <a:rPr lang="en-US" i="0">
+                            <a:solidFill>
+                              <a:srgbClr val="222A35"/>
+                            </a:solidFill>
+                            <a:latin typeface="Cambria Math" panose="02040503050406030204" pitchFamily="18" charset="0"/>
+                            <a:ea typeface="Times New Roman" panose="02020603050405020304" pitchFamily="18" charset="0"/>
+                            <a:cs typeface="Calibri" panose="020F0502020204030204" pitchFamily="34" charset="0"/>
+                          </a:rPr>
+                          <m:t>P</m:t>
+                        </m:r>
+                      </m:e>
+                      <m:sub>
+                        <m:r>
+                          <m:rPr>
+                            <m:sty m:val="p"/>
+                          </m:rPr>
+                          <a:rPr lang="en-US" i="0">
+                            <a:solidFill>
+                              <a:srgbClr val="222A35"/>
+                            </a:solidFill>
+                            <a:latin typeface="Cambria Math" panose="02040503050406030204" pitchFamily="18" charset="0"/>
+                            <a:ea typeface="Times New Roman" panose="02020603050405020304" pitchFamily="18" charset="0"/>
+                            <a:cs typeface="Calibri" panose="020F0502020204030204" pitchFamily="34" charset="0"/>
+                          </a:rPr>
+                          <m:t>D</m:t>
+                        </m:r>
+                      </m:sub>
+                    </m:sSub>
+                  </m:oMath>
+                </a14:m>
+                <a:r>
+                  <a:rPr lang="en-US" dirty="0"/>
+                  <a:t>), and the variance of the noise (</a:t>
+                </a:r>
+                <a14:m>
+                  <m:oMath xmlns:m="http://schemas.openxmlformats.org/officeDocument/2006/math">
+                    <m:sSubSup>
+                      <m:sSubSupPr>
+                        <m:ctrlPr>
+                          <a:rPr lang="en-US" i="1">
+                            <a:solidFill>
+                              <a:schemeClr val="tx2">
+                                <a:lumMod val="50000"/>
+                              </a:schemeClr>
+                            </a:solidFill>
+                            <a:latin typeface="Cambria Math" panose="02040503050406030204" pitchFamily="18" charset="0"/>
+                            <a:ea typeface="Times New Roman" panose="02020603050405020304" pitchFamily="18" charset="0"/>
+                            <a:cs typeface="Calibri" panose="020F0502020204030204" pitchFamily="34" charset="0"/>
+                          </a:rPr>
+                        </m:ctrlPr>
+                      </m:sSubSupPr>
+                      <m:e>
+                        <m:r>
+                          <m:rPr>
+                            <m:sty m:val="p"/>
+                          </m:rPr>
+                          <a:rPr lang="en-US">
+                            <a:solidFill>
+                              <a:schemeClr val="tx2">
+                                <a:lumMod val="50000"/>
+                              </a:schemeClr>
+                            </a:solidFill>
+                            <a:latin typeface="Cambria Math" panose="02040503050406030204" pitchFamily="18" charset="0"/>
+                            <a:ea typeface="Times New Roman" panose="02020603050405020304" pitchFamily="18" charset="0"/>
+                            <a:cs typeface="Calibri" panose="020F0502020204030204" pitchFamily="34" charset="0"/>
+                          </a:rPr>
+                          <m:t>σ</m:t>
+                        </m:r>
+                      </m:e>
+                      <m:sub>
+                        <m:r>
+                          <m:rPr>
+                            <m:sty m:val="p"/>
+                          </m:rPr>
+                          <a:rPr lang="en-US">
+                            <a:solidFill>
+                              <a:schemeClr val="tx2">
+                                <a:lumMod val="50000"/>
+                              </a:schemeClr>
+                            </a:solidFill>
+                            <a:latin typeface="Cambria Math" panose="02040503050406030204" pitchFamily="18" charset="0"/>
+                            <a:ea typeface="Times New Roman" panose="02020603050405020304" pitchFamily="18" charset="0"/>
+                            <a:cs typeface="Calibri" panose="020F0502020204030204" pitchFamily="34" charset="0"/>
+                          </a:rPr>
+                          <m:t>D</m:t>
+                        </m:r>
+                      </m:sub>
+                      <m:sup>
+                        <m:r>
+                          <a:rPr lang="en-US">
+                            <a:solidFill>
+                              <a:schemeClr val="tx2">
+                                <a:lumMod val="50000"/>
+                              </a:schemeClr>
+                            </a:solidFill>
+                            <a:latin typeface="Cambria Math" panose="02040503050406030204" pitchFamily="18" charset="0"/>
+                            <a:ea typeface="Times New Roman" panose="02020603050405020304" pitchFamily="18" charset="0"/>
+                            <a:cs typeface="Calibri" panose="020F0502020204030204" pitchFamily="34" charset="0"/>
+                          </a:rPr>
+                          <m:t>2</m:t>
+                        </m:r>
+                      </m:sup>
+                    </m:sSubSup>
+                  </m:oMath>
+                </a14:m>
+                <a:r>
+                  <a:rPr lang="en-US" dirty="0"/>
+                  <a:t>).</a:t>
+                </a:r>
+              </a:p>
+            </p:txBody>
+          </p:sp>
+        </mc:Choice>
+        <mc:Fallback xmlns="">
+          <p:sp>
+            <p:nvSpPr>
+              <p:cNvPr id="3" name="Content Placeholder 2">
+                <a:extLst>
+                  <a:ext uri="{FF2B5EF4-FFF2-40B4-BE49-F238E27FC236}">
+                    <a16:creationId xmlns:a16="http://schemas.microsoft.com/office/drawing/2014/main" id="{B24B5736-F2DE-FC39-5590-807CA1948066}"/>
+                  </a:ext>
+                </a:extLst>
+              </p:cNvPr>
+              <p:cNvSpPr>
+                <a:spLocks noGrp="1" noRot="1" noChangeAspect="1" noMove="1" noResize="1" noEditPoints="1" noAdjustHandles="1" noChangeArrowheads="1" noChangeShapeType="1" noTextEdit="1"/>
+              </p:cNvSpPr>
+              <p:nvPr>
+                <p:ph idx="1"/>
+              </p:nvPr>
+            </p:nvSpPr>
+            <p:spPr>
+              <a:xfrm>
+                <a:off x="838200" y="1649690"/>
+                <a:ext cx="10515600" cy="4706659"/>
+              </a:xfrm>
+              <a:blipFill>
+                <a:blip r:embed="rId2"/>
+                <a:stretch>
+                  <a:fillRect l="-638" t="-1295" r="-406" b="-1295"/>
+                </a:stretch>
+              </a:blipFill>
+            </p:spPr>
+            <p:txBody>
+              <a:bodyPr/>
+              <a:lstStyle/>
+              <a:p>
+                <a:r>
+                  <a:rPr lang="en-US">
+                    <a:noFill/>
+                  </a:rPr>
+                  <a:t> </a:t>
+                </a:r>
+              </a:p>
+            </p:txBody>
+          </p:sp>
+        </mc:Fallback>
+      </mc:AlternateContent>
+      <p:sp>
+        <p:nvSpPr>
+          <p:cNvPr id="4" name="Slide Number Placeholder 3">
+            <a:extLst>
+              <a:ext uri="{FF2B5EF4-FFF2-40B4-BE49-F238E27FC236}">
+                <a16:creationId xmlns:a16="http://schemas.microsoft.com/office/drawing/2014/main" id="{048121C8-6E6F-8BA2-1F20-9A1A4782F8B4}"/>
+              </a:ext>
+            </a:extLst>
+          </p:cNvPr>
+          <p:cNvSpPr>
+            <a:spLocks noGrp="1"/>
+          </p:cNvSpPr>
+          <p:nvPr>
+            <p:ph type="sldNum" sz="quarter" idx="12"/>
+          </p:nvPr>
+        </p:nvSpPr>
+        <p:spPr/>
+        <p:txBody>
+          <a:bodyPr/>
+          <a:lstStyle/>
+          <a:p>
+            <a:fld id="{A439D109-9F59-4B0B-8E20-D6D3A384B1F1}" type="slidenum">
+              <a:rPr lang="ko-KR" altLang="en-US" smtClean="0"/>
+              <a:t>10</a:t>
+            </a:fld>
+            <a:endParaRPr lang="ko-KR" altLang="en-US"/>
+          </a:p>
+        </p:txBody>
+      </p:sp>
+    </p:spTree>
+    <p:extLst>
+      <p:ext uri="{BB962C8B-B14F-4D97-AF65-F5344CB8AC3E}">
+        <p14:creationId xmlns:p14="http://schemas.microsoft.com/office/powerpoint/2010/main" val="216717300"/>
+      </p:ext>
+    </p:extLst>
+  </p:cSld>
+  <p:clrMapOvr>
+    <a:masterClrMapping/>
+  </p:clrMapOvr>
+</p:sld>
+</file>
+
+<file path=ppt/slides/slide11.xml><?xml version="1.0" encoding="utf-8"?>
+<p:sld xmlns:a="http://schemas.openxmlformats.org/drawingml/2006/main" xmlns:r="http://schemas.openxmlformats.org/officeDocument/2006/relationships" xmlns:p="http://schemas.openxmlformats.org/presentationml/2006/main">
+  <p:cSld>
+    <p:spTree>
+      <p:nvGrpSpPr>
+        <p:cNvPr id="1" name=""/>
+        <p:cNvGrpSpPr/>
+        <p:nvPr/>
+      </p:nvGrpSpPr>
+      <p:grpSpPr>
+        <a:xfrm>
+          <a:off x="0" y="0"/>
+          <a:ext cx="0" cy="0"/>
+          <a:chOff x="0" y="0"/>
+          <a:chExt cx="0" cy="0"/>
+        </a:xfrm>
+      </p:grpSpPr>
+      <p:sp>
+        <p:nvSpPr>
+          <p:cNvPr id="2" name="Title 1">
+            <a:extLst>
+              <a:ext uri="{FF2B5EF4-FFF2-40B4-BE49-F238E27FC236}">
                 <a16:creationId xmlns:a16="http://schemas.microsoft.com/office/drawing/2014/main" id="{7C0E3CDD-ECE4-76CF-B856-17D25DAF880F}"/>
               </a:ext>
             </a:extLst>
@@ -5740,7 +7127,7 @@
           <a:p>
             <a:fld id="{A439D109-9F59-4B0B-8E20-D6D3A384B1F1}" type="slidenum">
               <a:rPr lang="ko-KR" altLang="en-US" smtClean="0"/>
-              <a:t>10</a:t>
+              <a:t>11</a:t>
             </a:fld>
             <a:endParaRPr lang="ko-KR" altLang="en-US"/>
           </a:p>
@@ -5759,7 +7146,7 @@
 </p:sld>
 </file>
 
-<file path=ppt/slides/slide11.xml><?xml version="1.0" encoding="utf-8"?>
+<file path=ppt/slides/slide12.xml><?xml version="1.0" encoding="utf-8"?>
 <p:sld xmlns:a="http://schemas.openxmlformats.org/drawingml/2006/main" xmlns:r="http://schemas.openxmlformats.org/officeDocument/2006/relationships" xmlns:p="http://schemas.openxmlformats.org/presentationml/2006/main">
   <p:cSld>
     <p:spTree>
@@ -6025,20 +7412,7 @@
                                 <a:latin typeface="Cambria Math" panose="02040503050406030204" pitchFamily="18" charset="0"/>
                                 <a:cs typeface="Calibri" panose="020F0502020204030204" pitchFamily="34" charset="0"/>
                               </a:rPr>
-                              <m:t>1</m:t>
-                            </m:r>
-                            <m:r>
-                              <a:rPr lang="en-US" sz="2000" b="0" i="1" smtClean="0">
-                                <a:solidFill>
-                                  <a:schemeClr val="tx2">
-                                    <a:lumMod val="50000"/>
-                                  </a:schemeClr>
-                                </a:solidFill>
-                                <a:effectLst/>
-                                <a:latin typeface="Cambria Math" panose="02040503050406030204" pitchFamily="18" charset="0"/>
-                                <a:cs typeface="Calibri" panose="020F0502020204030204" pitchFamily="34" charset="0"/>
-                              </a:rPr>
-                              <m:t>+</m:t>
+                              <m:t>1+</m:t>
                             </m:r>
                             <m:f>
                               <m:fPr>
@@ -6993,7 +8367,7 @@
           <a:p>
             <a:fld id="{A439D109-9F59-4B0B-8E20-D6D3A384B1F1}" type="slidenum">
               <a:rPr lang="ko-KR" altLang="en-US" smtClean="0"/>
-              <a:t>11</a:t>
+              <a:t>12</a:t>
             </a:fld>
             <a:endParaRPr lang="ko-KR" altLang="en-US"/>
           </a:p>
@@ -7012,7 +8386,7 @@
 </p:sld>
 </file>
 
-<file path=ppt/slides/slide12.xml><?xml version="1.0" encoding="utf-8"?>
+<file path=ppt/slides/slide13.xml><?xml version="1.0" encoding="utf-8"?>
 <p:sld xmlns:a="http://schemas.openxmlformats.org/drawingml/2006/main" xmlns:r="http://schemas.openxmlformats.org/officeDocument/2006/relationships" xmlns:p="http://schemas.openxmlformats.org/presentationml/2006/main">
   <p:cSld>
     <p:spTree>
@@ -7266,20 +8640,7 @@
                                 <a:latin typeface="Cambria Math" panose="02040503050406030204" pitchFamily="18" charset="0"/>
                                 <a:cs typeface="Calibri" panose="020F0502020204030204" pitchFamily="34" charset="0"/>
                               </a:rPr>
-                              <m:t>1</m:t>
-                            </m:r>
-                            <m:r>
-                              <a:rPr lang="en-US" sz="2000" b="0" i="1" smtClean="0">
-                                <a:solidFill>
-                                  <a:schemeClr val="tx2">
-                                    <a:lumMod val="50000"/>
-                                  </a:schemeClr>
-                                </a:solidFill>
-                                <a:effectLst/>
-                                <a:latin typeface="Cambria Math" panose="02040503050406030204" pitchFamily="18" charset="0"/>
-                                <a:cs typeface="Calibri" panose="020F0502020204030204" pitchFamily="34" charset="0"/>
-                              </a:rPr>
-                              <m:t>+</m:t>
+                              <m:t>1+</m:t>
                             </m:r>
                             <m:f>
                               <m:fPr>
@@ -7964,7 +9325,7 @@
           <a:p>
             <a:fld id="{A439D109-9F59-4B0B-8E20-D6D3A384B1F1}" type="slidenum">
               <a:rPr lang="ko-KR" altLang="en-US" smtClean="0"/>
-              <a:t>12</a:t>
+              <a:t>13</a:t>
             </a:fld>
             <a:endParaRPr lang="ko-KR" altLang="en-US"/>
           </a:p>
@@ -7983,7 +9344,7 @@
 </p:sld>
 </file>
 
-<file path=ppt/slides/slide13.xml><?xml version="1.0" encoding="utf-8"?>
+<file path=ppt/slides/slide14.xml><?xml version="1.0" encoding="utf-8"?>
 <p:sld xmlns:a="http://schemas.openxmlformats.org/drawingml/2006/main" xmlns:r="http://schemas.openxmlformats.org/officeDocument/2006/relationships" xmlns:p="http://schemas.openxmlformats.org/presentationml/2006/main">
   <p:cSld>
     <p:spTree>
@@ -8028,8 +9389,8 @@
           </a:p>
         </p:txBody>
       </p:sp>
-      <mc:AlternateContent xmlns:mc="http://schemas.openxmlformats.org/markup-compatibility/2006">
-        <mc:Choice xmlns:a14="http://schemas.microsoft.com/office/drawing/2010/main" Requires="a14">
+      <mc:AlternateContent xmlns:mc="http://schemas.openxmlformats.org/markup-compatibility/2006" xmlns:a14="http://schemas.microsoft.com/office/drawing/2010/main">
+        <mc:Choice Requires="a14">
           <p:sp>
             <p:nvSpPr>
               <p:cNvPr id="3" name="Content Placeholder 2">
@@ -8711,16 +10072,7 @@
                         <a:ea typeface="Times New Roman" panose="02020603050405020304" pitchFamily="18" charset="0"/>
                         <a:cs typeface="Calibri" panose="020F0502020204030204" pitchFamily="34" charset="0"/>
                       </a:rPr>
-                      <m:t>𝑧</m:t>
-                    </m:r>
-                    <m:r>
-                      <a:rPr lang="en-US" sz="2000" b="0" i="1" baseline="-25000" dirty="0" smtClean="0">
-                        <a:effectLst/>
-                        <a:latin typeface="Cambria Math" panose="02040503050406030204" pitchFamily="18" charset="0"/>
-                        <a:ea typeface="Times New Roman" panose="02020603050405020304" pitchFamily="18" charset="0"/>
-                        <a:cs typeface="Calibri" panose="020F0502020204030204" pitchFamily="34" charset="0"/>
-                      </a:rPr>
-                      <m:t>𝑊</m:t>
+                      <m:t>𝑧𝑊</m:t>
                     </m:r>
                   </m:oMath>
                 </a14:m>
@@ -9357,7 +10709,7 @@
             </p:txBody>
           </p:sp>
         </mc:Choice>
-        <mc:Fallback>
+        <mc:Fallback xmlns="">
           <p:sp>
             <p:nvSpPr>
               <p:cNvPr id="3" name="Content Placeholder 2">
@@ -9424,7 +10776,7 @@
           <a:p>
             <a:fld id="{A439D109-9F59-4B0B-8E20-D6D3A384B1F1}" type="slidenum">
               <a:rPr lang="ko-KR" altLang="en-US" smtClean="0"/>
-              <a:t>13</a:t>
+              <a:t>14</a:t>
             </a:fld>
             <a:endParaRPr lang="ko-KR" altLang="en-US"/>
           </a:p>
@@ -9443,7 +10795,7 @@
 </p:sld>
 </file>
 
-<file path=ppt/slides/slide14.xml><?xml version="1.0" encoding="utf-8"?>
+<file path=ppt/slides/slide15.xml><?xml version="1.0" encoding="utf-8"?>
 <p:sld xmlns:a="http://schemas.openxmlformats.org/drawingml/2006/main" xmlns:r="http://schemas.openxmlformats.org/officeDocument/2006/relationships" xmlns:p="http://schemas.openxmlformats.org/presentationml/2006/main">
   <p:cSld>
     <p:spTree>
@@ -9488,8 +10840,8 @@
           </a:p>
         </p:txBody>
       </p:sp>
-      <mc:AlternateContent xmlns:mc="http://schemas.openxmlformats.org/markup-compatibility/2006">
-        <mc:Choice xmlns:a14="http://schemas.microsoft.com/office/drawing/2010/main" Requires="a14">
+      <mc:AlternateContent xmlns:mc="http://schemas.openxmlformats.org/markup-compatibility/2006" xmlns:a14="http://schemas.microsoft.com/office/drawing/2010/main">
+        <mc:Choice Requires="a14">
           <p:sp>
             <p:nvSpPr>
               <p:cNvPr id="3" name="Content Placeholder 2">
@@ -11215,7 +12567,7 @@
             </p:txBody>
           </p:sp>
         </mc:Choice>
-        <mc:Fallback>
+        <mc:Fallback xmlns="">
           <p:sp>
             <p:nvSpPr>
               <p:cNvPr id="3" name="Content Placeholder 2">
@@ -11282,7 +12634,7 @@
           <a:p>
             <a:fld id="{A439D109-9F59-4B0B-8E20-D6D3A384B1F1}" type="slidenum">
               <a:rPr lang="ko-KR" altLang="en-US" smtClean="0"/>
-              <a:t>14</a:t>
+              <a:t>15</a:t>
             </a:fld>
             <a:endParaRPr lang="ko-KR" altLang="en-US"/>
           </a:p>
@@ -11301,7 +12653,7 @@
 </p:sld>
 </file>
 
-<file path=ppt/slides/slide15.xml><?xml version="1.0" encoding="utf-8"?>
+<file path=ppt/slides/slide16.xml><?xml version="1.0" encoding="utf-8"?>
 <p:sld xmlns:a="http://schemas.openxmlformats.org/drawingml/2006/main" xmlns:r="http://schemas.openxmlformats.org/officeDocument/2006/relationships" xmlns:p="http://schemas.openxmlformats.org/presentationml/2006/main">
   <p:cSld>
     <p:spTree>
@@ -11346,8 +12698,8 @@
           </a:p>
         </p:txBody>
       </p:sp>
-      <mc:AlternateContent xmlns:mc="http://schemas.openxmlformats.org/markup-compatibility/2006">
-        <mc:Choice xmlns:a14="http://schemas.microsoft.com/office/drawing/2010/main" Requires="a14">
+      <mc:AlternateContent xmlns:mc="http://schemas.openxmlformats.org/markup-compatibility/2006" xmlns:a14="http://schemas.microsoft.com/office/drawing/2010/main">
+        <mc:Choice Requires="a14">
           <p:sp>
             <p:nvSpPr>
               <p:cNvPr id="3" name="Content Placeholder 2">
@@ -13355,7 +14707,7 @@
             </p:txBody>
           </p:sp>
         </mc:Choice>
-        <mc:Fallback>
+        <mc:Fallback xmlns="">
           <p:sp>
             <p:nvSpPr>
               <p:cNvPr id="3" name="Content Placeholder 2">
@@ -13422,7 +14774,7 @@
           <a:p>
             <a:fld id="{A439D109-9F59-4B0B-8E20-D6D3A384B1F1}" type="slidenum">
               <a:rPr lang="ko-KR" altLang="en-US" smtClean="0"/>
-              <a:t>15</a:t>
+              <a:t>16</a:t>
             </a:fld>
             <a:endParaRPr lang="ko-KR" altLang="en-US"/>
           </a:p>
@@ -13441,7 +14793,7 @@
 </p:sld>
 </file>
 
-<file path=ppt/slides/slide16.xml><?xml version="1.0" encoding="utf-8"?>
+<file path=ppt/slides/slide17.xml><?xml version="1.0" encoding="utf-8"?>
 <p:sld xmlns:a="http://schemas.openxmlformats.org/drawingml/2006/main" xmlns:r="http://schemas.openxmlformats.org/officeDocument/2006/relationships" xmlns:p="http://schemas.openxmlformats.org/presentationml/2006/main">
   <p:cSld>
     <p:spTree>
@@ -13509,7 +14861,7 @@
           <a:p>
             <a:fld id="{A439D109-9F59-4B0B-8E20-D6D3A384B1F1}" type="slidenum">
               <a:rPr lang="ko-KR" altLang="en-US" smtClean="0"/>
-              <a:t>16</a:t>
+              <a:t>17</a:t>
             </a:fld>
             <a:endParaRPr lang="ko-KR" altLang="en-US"/>
           </a:p>
@@ -13681,7 +15033,7 @@
 </p:sld>
 </file>
 
-<file path=ppt/slides/slide17.xml><?xml version="1.0" encoding="utf-8"?>
+<file path=ppt/slides/slide18.xml><?xml version="1.0" encoding="utf-8"?>
 <p:sld xmlns:a="http://schemas.openxmlformats.org/drawingml/2006/main" xmlns:r="http://schemas.openxmlformats.org/officeDocument/2006/relationships" xmlns:p="http://schemas.openxmlformats.org/presentationml/2006/main">
   <p:cSld>
     <p:spTree>
@@ -13924,7 +15276,7 @@
           <a:p>
             <a:fld id="{A439D109-9F59-4B0B-8E20-D6D3A384B1F1}" type="slidenum">
               <a:rPr lang="ko-KR" altLang="en-US" smtClean="0"/>
-              <a:t>17</a:t>
+              <a:t>18</a:t>
             </a:fld>
             <a:endParaRPr lang="ko-KR" altLang="en-US"/>
           </a:p>
@@ -13943,7 +15295,7 @@
 </p:sld>
 </file>
 
-<file path=ppt/slides/slide18.xml><?xml version="1.0" encoding="utf-8"?>
+<file path=ppt/slides/slide19.xml><?xml version="1.0" encoding="utf-8"?>
 <p:sld xmlns:a="http://schemas.openxmlformats.org/drawingml/2006/main" xmlns:r="http://schemas.openxmlformats.org/officeDocument/2006/relationships" xmlns:p="http://schemas.openxmlformats.org/presentationml/2006/main">
   <p:cSld>
     <p:spTree>
@@ -13983,7 +15335,7 @@
           <a:p>
             <a:fld id="{A439D109-9F59-4B0B-8E20-D6D3A384B1F1}" type="slidenum">
               <a:rPr lang="ko-KR" altLang="en-US" smtClean="0"/>
-              <a:t>18</a:t>
+              <a:t>19</a:t>
             </a:fld>
             <a:endParaRPr lang="ko-KR" altLang="en-US"/>
           </a:p>
@@ -14487,6 +15839,355 @@
           <p:cNvPr id="2" name="Title 1">
             <a:extLst>
               <a:ext uri="{FF2B5EF4-FFF2-40B4-BE49-F238E27FC236}">
+                <a16:creationId xmlns:a16="http://schemas.microsoft.com/office/drawing/2014/main" id="{B39C4ABF-35A6-FB09-B976-5C66F7E08F81}"/>
+              </a:ext>
+            </a:extLst>
+          </p:cNvPr>
+          <p:cNvSpPr>
+            <a:spLocks noGrp="1"/>
+          </p:cNvSpPr>
+          <p:nvPr>
+            <p:ph type="title"/>
+          </p:nvPr>
+        </p:nvSpPr>
+        <p:spPr/>
+        <p:txBody>
+          <a:bodyPr/>
+          <a:lstStyle/>
+          <a:p>
+            <a:r>
+              <a:rPr lang="en-US" dirty="0"/>
+              <a:t>Introduction</a:t>
+            </a:r>
+          </a:p>
+        </p:txBody>
+      </p:sp>
+      <p:sp>
+        <p:nvSpPr>
+          <p:cNvPr id="3" name="Content Placeholder 2">
+            <a:extLst>
+              <a:ext uri="{FF2B5EF4-FFF2-40B4-BE49-F238E27FC236}">
+                <a16:creationId xmlns:a16="http://schemas.microsoft.com/office/drawing/2014/main" id="{EE821DAC-C2BB-949F-19A9-72CC34BA186B}"/>
+              </a:ext>
+            </a:extLst>
+          </p:cNvPr>
+          <p:cNvSpPr>
+            <a:spLocks noGrp="1"/>
+          </p:cNvSpPr>
+          <p:nvPr>
+            <p:ph idx="1"/>
+          </p:nvPr>
+        </p:nvSpPr>
+        <p:spPr/>
+        <p:txBody>
+          <a:bodyPr/>
+          <a:lstStyle/>
+          <a:p>
+            <a:r>
+              <a:rPr lang="en-US" b="1" i="0" dirty="0">
+                <a:solidFill>
+                  <a:schemeClr val="accent2">
+                    <a:lumMod val="50000"/>
+                  </a:schemeClr>
+                </a:solidFill>
+                <a:effectLst/>
+                <a:latin typeface="ElsevierSans"/>
+              </a:rPr>
+              <a:t>Vehicular Communications Overview</a:t>
+            </a:r>
+            <a:r>
+              <a:rPr lang="en-US" b="1" i="0" dirty="0">
+                <a:solidFill>
+                  <a:srgbClr val="1F1F1F"/>
+                </a:solidFill>
+                <a:effectLst/>
+                <a:latin typeface="ElsevierSans"/>
+              </a:rPr>
+              <a:t>:</a:t>
+            </a:r>
+          </a:p>
+          <a:p>
+            <a:pPr lvl="1">
+              <a:lnSpc>
+                <a:spcPct val="150000"/>
+              </a:lnSpc>
+            </a:pPr>
+            <a:r>
+              <a:rPr lang="en-US" dirty="0"/>
+              <a:t>Growing area of communication between vehicles and </a:t>
+            </a:r>
+            <a:r>
+              <a:rPr lang="en-US" dirty="0">
+                <a:solidFill>
+                  <a:schemeClr val="accent1">
+                    <a:lumMod val="50000"/>
+                  </a:schemeClr>
+                </a:solidFill>
+              </a:rPr>
+              <a:t>roadside infrastructure</a:t>
+            </a:r>
+            <a:r>
+              <a:rPr lang="en-US" dirty="0"/>
+              <a:t>.</a:t>
+            </a:r>
+          </a:p>
+          <a:p>
+            <a:pPr lvl="1">
+              <a:lnSpc>
+                <a:spcPct val="150000"/>
+              </a:lnSpc>
+            </a:pPr>
+            <a:r>
+              <a:rPr lang="en-US" dirty="0"/>
+              <a:t>Enabled by advances in </a:t>
+            </a:r>
+            <a:r>
+              <a:rPr lang="en-US" dirty="0">
+                <a:solidFill>
+                  <a:schemeClr val="accent1">
+                    <a:lumMod val="50000"/>
+                  </a:schemeClr>
+                </a:solidFill>
+              </a:rPr>
+              <a:t>wireless communication technologies</a:t>
+            </a:r>
+            <a:r>
+              <a:rPr lang="en-US" dirty="0"/>
+              <a:t>.</a:t>
+            </a:r>
+            <a:endParaRPr lang="en-US" b="1" dirty="0">
+              <a:solidFill>
+                <a:srgbClr val="1F1F1F"/>
+              </a:solidFill>
+              <a:latin typeface="ElsevierSans"/>
+            </a:endParaRPr>
+          </a:p>
+          <a:p>
+            <a:r>
+              <a:rPr lang="en-US" dirty="0">
+                <a:solidFill>
+                  <a:schemeClr val="accent2">
+                    <a:lumMod val="50000"/>
+                  </a:schemeClr>
+                </a:solidFill>
+              </a:rPr>
+              <a:t>Real-Time Information Sharing</a:t>
+            </a:r>
+            <a:r>
+              <a:rPr lang="en-US" dirty="0"/>
+              <a:t>:</a:t>
+            </a:r>
+            <a:endParaRPr lang="en-US" b="1" dirty="0">
+              <a:solidFill>
+                <a:srgbClr val="1F1F1F"/>
+              </a:solidFill>
+              <a:latin typeface="ElsevierSans"/>
+            </a:endParaRPr>
+          </a:p>
+          <a:p>
+            <a:pPr lvl="1">
+              <a:lnSpc>
+                <a:spcPct val="150000"/>
+              </a:lnSpc>
+            </a:pPr>
+            <a:r>
+              <a:rPr lang="en-US" dirty="0">
+                <a:solidFill>
+                  <a:schemeClr val="accent1">
+                    <a:lumMod val="50000"/>
+                  </a:schemeClr>
+                </a:solidFill>
+              </a:rPr>
+              <a:t>Facilitates</a:t>
+            </a:r>
+            <a:r>
+              <a:rPr lang="en-US" dirty="0"/>
+              <a:t> real-time sharing of information between </a:t>
+            </a:r>
+            <a:r>
+              <a:rPr lang="en-US" dirty="0">
+                <a:solidFill>
+                  <a:schemeClr val="accent1">
+                    <a:lumMod val="50000"/>
+                  </a:schemeClr>
+                </a:solidFill>
+              </a:rPr>
+              <a:t>vehicles and infrastructure</a:t>
+            </a:r>
+            <a:r>
+              <a:rPr lang="en-US" dirty="0"/>
+              <a:t>.</a:t>
+            </a:r>
+          </a:p>
+          <a:p>
+            <a:pPr lvl="1">
+              <a:lnSpc>
+                <a:spcPct val="150000"/>
+              </a:lnSpc>
+            </a:pPr>
+            <a:r>
+              <a:rPr lang="en-US" dirty="0">
+                <a:solidFill>
+                  <a:schemeClr val="accent1">
+                    <a:lumMod val="50000"/>
+                  </a:schemeClr>
+                </a:solidFill>
+              </a:rPr>
+              <a:t>Enhances safety</a:t>
+            </a:r>
+            <a:r>
+              <a:rPr lang="en-US" dirty="0"/>
+              <a:t>, communication between passengers, and connectivity to the Internet.</a:t>
+            </a:r>
+            <a:endParaRPr lang="en-US" b="1" dirty="0">
+              <a:solidFill>
+                <a:srgbClr val="1F1F1F"/>
+              </a:solidFill>
+              <a:latin typeface="ElsevierSans"/>
+            </a:endParaRPr>
+          </a:p>
+          <a:p>
+            <a:r>
+              <a:rPr lang="en-US" dirty="0">
+                <a:solidFill>
+                  <a:schemeClr val="accent2">
+                    <a:lumMod val="50000"/>
+                  </a:schemeClr>
+                </a:solidFill>
+              </a:rPr>
+              <a:t>Applications for Safety and Connectivity</a:t>
+            </a:r>
+            <a:r>
+              <a:rPr lang="en-US" dirty="0"/>
+              <a:t>:</a:t>
+            </a:r>
+          </a:p>
+          <a:p>
+            <a:pPr lvl="1">
+              <a:lnSpc>
+                <a:spcPct val="150000"/>
+              </a:lnSpc>
+            </a:pPr>
+            <a:r>
+              <a:rPr lang="en-US" dirty="0"/>
+              <a:t>Applications designed to </a:t>
+            </a:r>
+            <a:r>
+              <a:rPr lang="en-US" dirty="0">
+                <a:solidFill>
+                  <a:schemeClr val="accent1">
+                    <a:lumMod val="50000"/>
+                  </a:schemeClr>
+                </a:solidFill>
+              </a:rPr>
+              <a:t>increase the safety </a:t>
+            </a:r>
+            <a:r>
+              <a:rPr lang="en-US" dirty="0"/>
+              <a:t>of vehicles.</a:t>
+            </a:r>
+          </a:p>
+          <a:p>
+            <a:pPr lvl="1">
+              <a:lnSpc>
+                <a:spcPct val="150000"/>
+              </a:lnSpc>
+            </a:pPr>
+            <a:r>
+              <a:rPr lang="en-US" dirty="0">
+                <a:solidFill>
+                  <a:schemeClr val="accent1">
+                    <a:lumMod val="50000"/>
+                  </a:schemeClr>
+                </a:solidFill>
+              </a:rPr>
+              <a:t>Supports</a:t>
+            </a:r>
+            <a:r>
+              <a:rPr lang="en-US" dirty="0"/>
+              <a:t> communication between </a:t>
+            </a:r>
+            <a:r>
+              <a:rPr lang="en-US" dirty="0">
+                <a:solidFill>
+                  <a:schemeClr val="accent1">
+                    <a:lumMod val="50000"/>
+                  </a:schemeClr>
+                </a:solidFill>
+              </a:rPr>
+              <a:t>passengers and the Internet</a:t>
+            </a:r>
+            <a:r>
+              <a:rPr lang="en-US" dirty="0"/>
+              <a:t>.</a:t>
+            </a:r>
+          </a:p>
+        </p:txBody>
+      </p:sp>
+      <p:sp>
+        <p:nvSpPr>
+          <p:cNvPr id="4" name="Slide Number Placeholder 3">
+            <a:extLst>
+              <a:ext uri="{FF2B5EF4-FFF2-40B4-BE49-F238E27FC236}">
+                <a16:creationId xmlns:a16="http://schemas.microsoft.com/office/drawing/2014/main" id="{BE42633C-1C5D-86BF-A07D-BBB3AF0CDC15}"/>
+              </a:ext>
+            </a:extLst>
+          </p:cNvPr>
+          <p:cNvSpPr>
+            <a:spLocks noGrp="1"/>
+          </p:cNvSpPr>
+          <p:nvPr>
+            <p:ph type="sldNum" sz="quarter" idx="12"/>
+          </p:nvPr>
+        </p:nvSpPr>
+        <p:spPr/>
+        <p:txBody>
+          <a:bodyPr/>
+          <a:lstStyle/>
+          <a:p>
+            <a:fld id="{A439D109-9F59-4B0B-8E20-D6D3A384B1F1}" type="slidenum">
+              <a:rPr lang="ko-KR" altLang="en-US" smtClean="0"/>
+              <a:t>4</a:t>
+            </a:fld>
+            <a:endParaRPr lang="ko-KR" altLang="en-US"/>
+          </a:p>
+        </p:txBody>
+      </p:sp>
+    </p:spTree>
+    <p:extLst>
+      <p:ext uri="{BB962C8B-B14F-4D97-AF65-F5344CB8AC3E}">
+        <p14:creationId xmlns:p14="http://schemas.microsoft.com/office/powerpoint/2010/main" val="514770313"/>
+      </p:ext>
+    </p:extLst>
+  </p:cSld>
+  <p:clrMapOvr>
+    <a:masterClrMapping/>
+  </p:clrMapOvr>
+</p:sld>
+</file>
+
+<file path=ppt/slides/slide5.xml><?xml version="1.0" encoding="utf-8"?>
+<p:sld xmlns:a="http://schemas.openxmlformats.org/drawingml/2006/main" xmlns:r="http://schemas.openxmlformats.org/officeDocument/2006/relationships" xmlns:p="http://schemas.openxmlformats.org/presentationml/2006/main">
+  <p:cSld>
+    <p:spTree>
+      <p:nvGrpSpPr>
+        <p:cNvPr id="1" name=""/>
+        <p:cNvGrpSpPr/>
+        <p:nvPr/>
+      </p:nvGrpSpPr>
+      <p:grpSpPr>
+        <a:xfrm>
+          <a:off x="0" y="0"/>
+          <a:ext cx="0" cy="0"/>
+          <a:chOff x="0" y="0"/>
+          <a:chExt cx="0" cy="0"/>
+        </a:xfrm>
+      </p:grpSpPr>
+      <p:sp>
+        <p:nvSpPr>
+          <p:cNvPr id="2" name="Title 1">
+            <a:extLst>
+              <a:ext uri="{FF2B5EF4-FFF2-40B4-BE49-F238E27FC236}">
                 <a16:creationId xmlns:a16="http://schemas.microsoft.com/office/drawing/2014/main" id="{203F17C4-6EE4-D79A-6A5B-D176623C4975}"/>
               </a:ext>
             </a:extLst>
@@ -14744,7 +16445,7 @@
           <a:p>
             <a:fld id="{A439D109-9F59-4B0B-8E20-D6D3A384B1F1}" type="slidenum">
               <a:rPr lang="ko-KR" altLang="en-US" smtClean="0"/>
-              <a:t>4</a:t>
+              <a:t>5</a:t>
             </a:fld>
             <a:endParaRPr lang="ko-KR" altLang="en-US" dirty="0"/>
           </a:p>
@@ -14763,7 +16464,7 @@
 </p:sld>
 </file>
 
-<file path=ppt/slides/slide5.xml><?xml version="1.0" encoding="utf-8"?>
+<file path=ppt/slides/slide6.xml><?xml version="1.0" encoding="utf-8"?>
 <p:sld xmlns:a="http://schemas.openxmlformats.org/drawingml/2006/main" xmlns:r="http://schemas.openxmlformats.org/officeDocument/2006/relationships" xmlns:p="http://schemas.openxmlformats.org/presentationml/2006/main">
   <p:cSld>
     <p:spTree>
@@ -14831,7 +16532,7 @@
           <a:p>
             <a:fld id="{A439D109-9F59-4B0B-8E20-D6D3A384B1F1}" type="slidenum">
               <a:rPr lang="ko-KR" altLang="en-US" smtClean="0"/>
-              <a:t>5</a:t>
+              <a:t>6</a:t>
             </a:fld>
             <a:endParaRPr lang="ko-KR" altLang="en-US"/>
           </a:p>
@@ -14920,7 +16621,7 @@
 </p:sld>
 </file>
 
-<file path=ppt/slides/slide6.xml><?xml version="1.0" encoding="utf-8"?>
+<file path=ppt/slides/slide7.xml><?xml version="1.0" encoding="utf-8"?>
 <p:sld xmlns:a="http://schemas.openxmlformats.org/drawingml/2006/main" xmlns:r="http://schemas.openxmlformats.org/officeDocument/2006/relationships" xmlns:p="http://schemas.openxmlformats.org/presentationml/2006/main">
   <p:cSld>
     <p:spTree>
@@ -15277,7 +16978,7 @@
           <a:p>
             <a:fld id="{A439D109-9F59-4B0B-8E20-D6D3A384B1F1}" type="slidenum">
               <a:rPr lang="ko-KR" altLang="en-US" smtClean="0"/>
-              <a:t>6</a:t>
+              <a:t>7</a:t>
             </a:fld>
             <a:endParaRPr lang="ko-KR" altLang="en-US"/>
           </a:p>
@@ -15296,7 +16997,7 @@
 </p:sld>
 </file>
 
-<file path=ppt/slides/slide7.xml><?xml version="1.0" encoding="utf-8"?>
+<file path=ppt/slides/slide8.xml><?xml version="1.0" encoding="utf-8"?>
 <p:sld xmlns:a="http://schemas.openxmlformats.org/drawingml/2006/main" xmlns:r="http://schemas.openxmlformats.org/officeDocument/2006/relationships" xmlns:p="http://schemas.openxmlformats.org/presentationml/2006/main">
   <p:cSld>
     <p:spTree>
@@ -16663,7 +18364,7 @@
           <a:p>
             <a:fld id="{A439D109-9F59-4B0B-8E20-D6D3A384B1F1}" type="slidenum">
               <a:rPr lang="ko-KR" altLang="en-US" smtClean="0"/>
-              <a:t>7</a:t>
+              <a:t>8</a:t>
             </a:fld>
             <a:endParaRPr lang="ko-KR" altLang="en-US"/>
           </a:p>
@@ -16682,7 +18383,7 @@
 </p:sld>
 </file>
 
-<file path=ppt/slides/slide8.xml><?xml version="1.0" encoding="utf-8"?>
+<file path=ppt/slides/slide9.xml><?xml version="1.0" encoding="utf-8"?>
 <p:sld xmlns:a="http://schemas.openxmlformats.org/drawingml/2006/main" xmlns:r="http://schemas.openxmlformats.org/officeDocument/2006/relationships" xmlns:p="http://schemas.openxmlformats.org/presentationml/2006/main">
   <p:cSld>
     <p:spTree>
@@ -17120,19 +18821,7 @@
                             <a:latin typeface="Cambria Math" panose="02040503050406030204" pitchFamily="18" charset="0"/>
                             <a:cs typeface="Calibri" panose="020F0502020204030204" pitchFamily="34" charset="0"/>
                           </a:rPr>
-                          <m:t>1</m:t>
-                        </m:r>
-                        <m:r>
-                          <a:rPr lang="en-US" sz="2000" b="0" i="1" smtClean="0">
-                            <a:solidFill>
-                              <a:schemeClr val="tx2">
-                                <a:lumMod val="50000"/>
-                              </a:schemeClr>
-                            </a:solidFill>
-                            <a:latin typeface="Cambria Math" panose="02040503050406030204" pitchFamily="18" charset="0"/>
-                            <a:cs typeface="Calibri" panose="020F0502020204030204" pitchFamily="34" charset="0"/>
-                          </a:rPr>
-                          <m:t>−</m:t>
+                          <m:t>1−</m:t>
                         </m:r>
                         <m:r>
                           <m:rPr>
@@ -17657,7 +19346,7 @@
           <a:p>
             <a:fld id="{A439D109-9F59-4B0B-8E20-D6D3A384B1F1}" type="slidenum">
               <a:rPr lang="ko-KR" altLang="en-US" smtClean="0"/>
-              <a:t>8</a:t>
+              <a:t>9</a:t>
             </a:fld>
             <a:endParaRPr lang="ko-KR" altLang="en-US"/>
           </a:p>
@@ -17667,1392 +19356,6 @@
     <p:extLst>
       <p:ext uri="{BB962C8B-B14F-4D97-AF65-F5344CB8AC3E}">
         <p14:creationId xmlns:p14="http://schemas.microsoft.com/office/powerpoint/2010/main" val="1192982643"/>
-      </p:ext>
-    </p:extLst>
-  </p:cSld>
-  <p:clrMapOvr>
-    <a:masterClrMapping/>
-  </p:clrMapOvr>
-</p:sld>
-</file>
-
-<file path=ppt/slides/slide9.xml><?xml version="1.0" encoding="utf-8"?>
-<p:sld xmlns:a="http://schemas.openxmlformats.org/drawingml/2006/main" xmlns:r="http://schemas.openxmlformats.org/officeDocument/2006/relationships" xmlns:p="http://schemas.openxmlformats.org/presentationml/2006/main">
-  <p:cSld>
-    <p:spTree>
-      <p:nvGrpSpPr>
-        <p:cNvPr id="1" name=""/>
-        <p:cNvGrpSpPr/>
-        <p:nvPr/>
-      </p:nvGrpSpPr>
-      <p:grpSpPr>
-        <a:xfrm>
-          <a:off x="0" y="0"/>
-          <a:ext cx="0" cy="0"/>
-          <a:chOff x="0" y="0"/>
-          <a:chExt cx="0" cy="0"/>
-        </a:xfrm>
-      </p:grpSpPr>
-      <p:sp>
-        <p:nvSpPr>
-          <p:cNvPr id="2" name="Title 1">
-            <a:extLst>
-              <a:ext uri="{FF2B5EF4-FFF2-40B4-BE49-F238E27FC236}">
-                <a16:creationId xmlns:a16="http://schemas.microsoft.com/office/drawing/2014/main" id="{A0FE050A-3359-351E-2F82-053C23A71737}"/>
-              </a:ext>
-            </a:extLst>
-          </p:cNvPr>
-          <p:cNvSpPr>
-            <a:spLocks noGrp="1"/>
-          </p:cNvSpPr>
-          <p:nvPr>
-            <p:ph type="title"/>
-          </p:nvPr>
-        </p:nvSpPr>
-        <p:spPr/>
-        <p:txBody>
-          <a:bodyPr/>
-          <a:lstStyle/>
-          <a:p>
-            <a:r>
-              <a:rPr lang="en-US" dirty="0"/>
-              <a:t>Method</a:t>
-            </a:r>
-          </a:p>
-        </p:txBody>
-      </p:sp>
-      <mc:AlternateContent xmlns:mc="http://schemas.openxmlformats.org/markup-compatibility/2006" xmlns:a14="http://schemas.microsoft.com/office/drawing/2010/main">
-        <mc:Choice Requires="a14">
-          <p:sp>
-            <p:nvSpPr>
-              <p:cNvPr id="3" name="Content Placeholder 2">
-                <a:extLst>
-                  <a:ext uri="{FF2B5EF4-FFF2-40B4-BE49-F238E27FC236}">
-                    <a16:creationId xmlns:a16="http://schemas.microsoft.com/office/drawing/2014/main" id="{B24B5736-F2DE-FC39-5590-807CA1948066}"/>
-                  </a:ext>
-                </a:extLst>
-              </p:cNvPr>
-              <p:cNvSpPr>
-                <a:spLocks noGrp="1"/>
-              </p:cNvSpPr>
-              <p:nvPr>
-                <p:ph idx="1"/>
-              </p:nvPr>
-            </p:nvSpPr>
-            <p:spPr>
-              <a:xfrm>
-                <a:off x="838200" y="1649690"/>
-                <a:ext cx="10515600" cy="4706659"/>
-              </a:xfrm>
-            </p:spPr>
-            <p:txBody>
-              <a:bodyPr/>
-              <a:lstStyle/>
-              <a:p>
-                <a:r>
-                  <a:rPr lang="en-US" b="0" i="0" dirty="0">
-                    <a:solidFill>
-                      <a:schemeClr val="accent2">
-                        <a:lumMod val="50000"/>
-                      </a:schemeClr>
-                    </a:solidFill>
-                    <a:effectLst/>
-                    <a:latin typeface="Roboto" panose="020F0502020204030204" pitchFamily="2" charset="0"/>
-                  </a:rPr>
-                  <a:t>Calculating Achievable Public Data Rate:</a:t>
-                </a:r>
-              </a:p>
-              <a:p>
-                <a:r>
-                  <a:rPr lang="en-US" dirty="0">
-                    <a:solidFill>
-                      <a:schemeClr val="accent6">
-                        <a:lumMod val="50000"/>
-                      </a:schemeClr>
-                    </a:solidFill>
-                  </a:rPr>
-                  <a:t>Data Rate Calculation:</a:t>
-                </a:r>
-              </a:p>
-              <a:p>
-                <a:endParaRPr lang="en-US" dirty="0"/>
-              </a:p>
-              <a:p>
-                <a:pPr marL="0" indent="0">
-                  <a:buNone/>
-                </a:pPr>
-                <a:r>
-                  <a:rPr lang="en-US" sz="2000" dirty="0">
-                    <a:solidFill>
-                      <a:srgbClr val="222A35"/>
-                    </a:solidFill>
-                    <a:effectLst/>
-                    <a:ea typeface="Times New Roman" panose="02020603050405020304" pitchFamily="18" charset="0"/>
-                    <a:cs typeface="Calibri" panose="020F0502020204030204" pitchFamily="34" charset="0"/>
-                  </a:rPr>
-                  <a:t>                                     </a:t>
-                </a:r>
-                <a14:m>
-                  <m:oMath xmlns:m="http://schemas.openxmlformats.org/officeDocument/2006/math">
-                    <m:sSub>
-                      <m:sSubPr>
-                        <m:ctrlPr>
-                          <a:rPr lang="en-US" sz="2000" i="1" smtClean="0">
-                            <a:solidFill>
-                              <a:schemeClr val="tx2">
-                                <a:lumMod val="50000"/>
-                              </a:schemeClr>
-                            </a:solidFill>
-                            <a:effectLst/>
-                            <a:latin typeface="Cambria Math" panose="02040503050406030204" pitchFamily="18" charset="0"/>
-                            <a:ea typeface="Times New Roman" panose="02020603050405020304" pitchFamily="18" charset="0"/>
-                            <a:cs typeface="Calibri" panose="020F0502020204030204" pitchFamily="34" charset="0"/>
-                          </a:rPr>
-                        </m:ctrlPr>
-                      </m:sSubPr>
-                      <m:e>
-                        <m:acc>
-                          <m:accPr>
-                            <m:chr m:val="̅"/>
-                            <m:ctrlPr>
-                              <a:rPr lang="en-US" sz="2000" i="1">
-                                <a:solidFill>
-                                  <a:schemeClr val="tx2">
-                                    <a:lumMod val="50000"/>
-                                  </a:schemeClr>
-                                </a:solidFill>
-                                <a:effectLst/>
-                                <a:latin typeface="Cambria Math" panose="02040503050406030204" pitchFamily="18" charset="0"/>
-                                <a:ea typeface="Times New Roman" panose="02020603050405020304" pitchFamily="18" charset="0"/>
-                                <a:cs typeface="Calibri" panose="020F0502020204030204" pitchFamily="34" charset="0"/>
-                              </a:rPr>
-                            </m:ctrlPr>
-                          </m:accPr>
-                          <m:e>
-                            <m:r>
-                              <m:rPr>
-                                <m:sty m:val="p"/>
-                              </m:rPr>
-                              <a:rPr lang="en-US" sz="2000" i="0">
-                                <a:solidFill>
-                                  <a:schemeClr val="tx2">
-                                    <a:lumMod val="50000"/>
-                                  </a:schemeClr>
-                                </a:solidFill>
-                                <a:effectLst/>
-                                <a:latin typeface="Cambria Math" panose="02040503050406030204" pitchFamily="18" charset="0"/>
-                                <a:ea typeface="Times New Roman" panose="02020603050405020304" pitchFamily="18" charset="0"/>
-                                <a:cs typeface="Calibri" panose="020F0502020204030204" pitchFamily="34" charset="0"/>
-                              </a:rPr>
-                              <m:t>r</m:t>
-                            </m:r>
-                          </m:e>
-                        </m:acc>
-                      </m:e>
-                      <m:sub>
-                        <m:r>
-                          <m:rPr>
-                            <m:sty m:val="p"/>
-                          </m:rPr>
-                          <a:rPr lang="en-US" sz="2000" i="0">
-                            <a:solidFill>
-                              <a:schemeClr val="tx2">
-                                <a:lumMod val="50000"/>
-                              </a:schemeClr>
-                            </a:solidFill>
-                            <a:effectLst/>
-                            <a:latin typeface="Cambria Math" panose="02040503050406030204" pitchFamily="18" charset="0"/>
-                            <a:ea typeface="Times New Roman" panose="02020603050405020304" pitchFamily="18" charset="0"/>
-                            <a:cs typeface="Calibri" panose="020F0502020204030204" pitchFamily="34" charset="0"/>
-                          </a:rPr>
-                          <m:t>PD</m:t>
-                        </m:r>
-                      </m:sub>
-                    </m:sSub>
-                  </m:oMath>
-                </a14:m>
-                <a:r>
-                  <a:rPr lang="en-US" sz="2000" i="0" dirty="0">
-                    <a:solidFill>
-                      <a:schemeClr val="tx2">
-                        <a:lumMod val="50000"/>
-                      </a:schemeClr>
-                    </a:solidFill>
-                    <a:effectLst/>
-                    <a:latin typeface="Cambria" panose="02040503050406030204" pitchFamily="18" charset="0"/>
-                    <a:ea typeface="Times New Roman" panose="02020603050405020304" pitchFamily="18" charset="0"/>
-                    <a:cs typeface="Calibri" panose="020F0502020204030204" pitchFamily="34" charset="0"/>
-                  </a:rPr>
-                  <a:t>=</a:t>
-                </a:r>
-                <a:r>
-                  <a:rPr lang="en-US" dirty="0">
-                    <a:solidFill>
-                      <a:schemeClr val="tx2">
-                        <a:lumMod val="50000"/>
-                      </a:schemeClr>
-                    </a:solidFill>
-                    <a:latin typeface="Cambria" panose="02040503050406030204" pitchFamily="18" charset="0"/>
-                    <a:ea typeface="Times New Roman" panose="02020603050405020304" pitchFamily="18" charset="0"/>
-                    <a:cs typeface="Calibri" panose="020F0502020204030204" pitchFamily="34" charset="0"/>
-                  </a:rPr>
-                  <a:t> </a:t>
-                </a:r>
-                <a14:m>
-                  <m:oMath xmlns:m="http://schemas.openxmlformats.org/officeDocument/2006/math">
-                    <m:func>
-                      <m:funcPr>
-                        <m:ctrlPr>
-                          <a:rPr lang="en-US" i="1" dirty="0" smtClean="0">
-                            <a:solidFill>
-                              <a:schemeClr val="tx2">
-                                <a:lumMod val="50000"/>
-                              </a:schemeClr>
-                            </a:solidFill>
-                            <a:latin typeface="Cambria Math" panose="02040503050406030204" pitchFamily="18" charset="0"/>
-                          </a:rPr>
-                        </m:ctrlPr>
-                      </m:funcPr>
-                      <m:fName>
-                        <m:sSub>
-                          <m:sSubPr>
-                            <m:ctrlPr>
-                              <a:rPr lang="en-US" i="1" dirty="0" smtClean="0">
-                                <a:solidFill>
-                                  <a:schemeClr val="tx2">
-                                    <a:lumMod val="50000"/>
-                                  </a:schemeClr>
-                                </a:solidFill>
-                                <a:latin typeface="Cambria Math" panose="02040503050406030204" pitchFamily="18" charset="0"/>
-                              </a:rPr>
-                            </m:ctrlPr>
-                          </m:sSubPr>
-                          <m:e>
-                            <m:r>
-                              <m:rPr>
-                                <m:sty m:val="p"/>
-                              </m:rPr>
-                              <a:rPr lang="en-US" i="0" dirty="0" smtClean="0">
-                                <a:solidFill>
-                                  <a:schemeClr val="tx2">
-                                    <a:lumMod val="50000"/>
-                                  </a:schemeClr>
-                                </a:solidFill>
-                                <a:latin typeface="Cambria Math" panose="02040503050406030204" pitchFamily="18" charset="0"/>
-                              </a:rPr>
-                              <m:t>log</m:t>
-                            </m:r>
-                          </m:e>
-                          <m:sub>
-                            <m:r>
-                              <a:rPr lang="en-US" b="0" i="1" dirty="0" smtClean="0">
-                                <a:solidFill>
-                                  <a:schemeClr val="tx2">
-                                    <a:lumMod val="50000"/>
-                                  </a:schemeClr>
-                                </a:solidFill>
-                                <a:latin typeface="Cambria Math" panose="02040503050406030204" pitchFamily="18" charset="0"/>
-                              </a:rPr>
-                              <m:t>2</m:t>
-                            </m:r>
-                          </m:sub>
-                        </m:sSub>
-                      </m:fName>
-                      <m:e>
-                        <m:d>
-                          <m:dPr>
-                            <m:ctrlPr>
-                              <a:rPr lang="en-US" i="1" dirty="0">
-                                <a:solidFill>
-                                  <a:schemeClr val="tx2">
-                                    <a:lumMod val="50000"/>
-                                  </a:schemeClr>
-                                </a:solidFill>
-                                <a:latin typeface="Cambria Math" panose="02040503050406030204" pitchFamily="18" charset="0"/>
-                              </a:rPr>
-                            </m:ctrlPr>
-                          </m:dPr>
-                          <m:e>
-                            <m:r>
-                              <a:rPr lang="en-US" i="1" dirty="0">
-                                <a:solidFill>
-                                  <a:schemeClr val="tx2">
-                                    <a:lumMod val="50000"/>
-                                  </a:schemeClr>
-                                </a:solidFill>
-                                <a:latin typeface="Cambria Math" panose="02040503050406030204" pitchFamily="18" charset="0"/>
-                              </a:rPr>
-                              <m:t>1</m:t>
-                            </m:r>
-                            <m:r>
-                              <a:rPr lang="en-US" i="1" dirty="0">
-                                <a:solidFill>
-                                  <a:schemeClr val="tx2">
-                                    <a:lumMod val="50000"/>
-                                  </a:schemeClr>
-                                </a:solidFill>
-                                <a:latin typeface="Cambria Math" panose="02040503050406030204" pitchFamily="18" charset="0"/>
-                              </a:rPr>
-                              <m:t>+</m:t>
-                            </m:r>
-                            <m:f>
-                              <m:fPr>
-                                <m:ctrlPr>
-                                  <a:rPr lang="en-US" i="1">
-                                    <a:solidFill>
-                                      <a:schemeClr val="tx2">
-                                        <a:lumMod val="50000"/>
-                                      </a:schemeClr>
-                                    </a:solidFill>
-                                    <a:latin typeface="Cambria Math" panose="02040503050406030204" pitchFamily="18" charset="0"/>
-                                    <a:ea typeface="Times New Roman" panose="02020603050405020304" pitchFamily="18" charset="0"/>
-                                    <a:cs typeface="Calibri" panose="020F0502020204030204" pitchFamily="34" charset="0"/>
-                                  </a:rPr>
-                                </m:ctrlPr>
-                              </m:fPr>
-                              <m:num>
-                                <m:sSup>
-                                  <m:sSupPr>
-                                    <m:ctrlPr>
-                                      <a:rPr lang="en-US" i="1">
-                                        <a:solidFill>
-                                          <a:schemeClr val="tx2">
-                                            <a:lumMod val="50000"/>
-                                          </a:schemeClr>
-                                        </a:solidFill>
-                                        <a:latin typeface="Cambria Math" panose="02040503050406030204" pitchFamily="18" charset="0"/>
-                                        <a:ea typeface="Times New Roman" panose="02020603050405020304" pitchFamily="18" charset="0"/>
-                                        <a:cs typeface="Calibri" panose="020F0502020204030204" pitchFamily="34" charset="0"/>
-                                      </a:rPr>
-                                    </m:ctrlPr>
-                                  </m:sSupPr>
-                                  <m:e>
-                                    <m:d>
-                                      <m:dPr>
-                                        <m:begChr m:val="|"/>
-                                        <m:endChr m:val="|"/>
-                                        <m:ctrlPr>
-                                          <a:rPr lang="en-US" i="1">
-                                            <a:solidFill>
-                                              <a:schemeClr val="tx2">
-                                                <a:lumMod val="50000"/>
-                                              </a:schemeClr>
-                                            </a:solidFill>
-                                            <a:latin typeface="Cambria Math" panose="02040503050406030204" pitchFamily="18" charset="0"/>
-                                            <a:ea typeface="Times New Roman" panose="02020603050405020304" pitchFamily="18" charset="0"/>
-                                            <a:cs typeface="Calibri" panose="020F0502020204030204" pitchFamily="34" charset="0"/>
-                                          </a:rPr>
-                                        </m:ctrlPr>
-                                      </m:dPr>
-                                      <m:e>
-                                        <m:sSub>
-                                          <m:sSubPr>
-                                            <m:ctrlPr>
-                                              <a:rPr lang="en-US" i="1">
-                                                <a:solidFill>
-                                                  <a:schemeClr val="tx2">
-                                                    <a:lumMod val="50000"/>
-                                                  </a:schemeClr>
-                                                </a:solidFill>
-                                                <a:latin typeface="Cambria Math" panose="02040503050406030204" pitchFamily="18" charset="0"/>
-                                                <a:ea typeface="Times New Roman" panose="02020603050405020304" pitchFamily="18" charset="0"/>
-                                                <a:cs typeface="Calibri" panose="020F0502020204030204" pitchFamily="34" charset="0"/>
-                                              </a:rPr>
-                                            </m:ctrlPr>
-                                          </m:sSubPr>
-                                          <m:e>
-                                            <m:r>
-                                              <m:rPr>
-                                                <m:sty m:val="p"/>
-                                              </m:rPr>
-                                              <a:rPr lang="en-US">
-                                                <a:solidFill>
-                                                  <a:schemeClr val="tx2">
-                                                    <a:lumMod val="50000"/>
-                                                  </a:schemeClr>
-                                                </a:solidFill>
-                                                <a:latin typeface="Cambria Math" panose="02040503050406030204" pitchFamily="18" charset="0"/>
-                                                <a:ea typeface="Times New Roman" panose="02020603050405020304" pitchFamily="18" charset="0"/>
-                                                <a:cs typeface="Calibri" panose="020F0502020204030204" pitchFamily="34" charset="0"/>
-                                              </a:rPr>
-                                              <m:t>h</m:t>
-                                            </m:r>
-                                          </m:e>
-                                          <m:sub>
-                                            <m:r>
-                                              <m:rPr>
-                                                <m:sty m:val="p"/>
-                                              </m:rPr>
-                                              <a:rPr lang="en-US">
-                                                <a:solidFill>
-                                                  <a:schemeClr val="tx2">
-                                                    <a:lumMod val="50000"/>
-                                                  </a:schemeClr>
-                                                </a:solidFill>
-                                                <a:latin typeface="Cambria Math" panose="02040503050406030204" pitchFamily="18" charset="0"/>
-                                                <a:ea typeface="Times New Roman" panose="02020603050405020304" pitchFamily="18" charset="0"/>
-                                                <a:cs typeface="Calibri" panose="020F0502020204030204" pitchFamily="34" charset="0"/>
-                                              </a:rPr>
-                                              <m:t>SD</m:t>
-                                            </m:r>
-                                          </m:sub>
-                                        </m:sSub>
-                                      </m:e>
-                                    </m:d>
-                                  </m:e>
-                                  <m:sup>
-                                    <m:r>
-                                      <a:rPr lang="en-US">
-                                        <a:solidFill>
-                                          <a:schemeClr val="tx2">
-                                            <a:lumMod val="50000"/>
-                                          </a:schemeClr>
-                                        </a:solidFill>
-                                        <a:latin typeface="Cambria Math" panose="02040503050406030204" pitchFamily="18" charset="0"/>
-                                        <a:ea typeface="Times New Roman" panose="02020603050405020304" pitchFamily="18" charset="0"/>
-                                        <a:cs typeface="Calibri" panose="020F0502020204030204" pitchFamily="34" charset="0"/>
-                                      </a:rPr>
-                                      <m:t>2</m:t>
-                                    </m:r>
-                                  </m:sup>
-                                </m:sSup>
-                                <m:r>
-                                  <m:rPr>
-                                    <m:sty m:val="p"/>
-                                  </m:rPr>
-                                  <a:rPr lang="en-US">
-                                    <a:solidFill>
-                                      <a:schemeClr val="tx2">
-                                        <a:lumMod val="50000"/>
-                                      </a:schemeClr>
-                                    </a:solidFill>
-                                    <a:latin typeface="Cambria Math" panose="02040503050406030204" pitchFamily="18" charset="0"/>
-                                    <a:ea typeface="Times New Roman" panose="02020603050405020304" pitchFamily="18" charset="0"/>
-                                    <a:cs typeface="Calibri" panose="020F0502020204030204" pitchFamily="34" charset="0"/>
-                                  </a:rPr>
-                                  <m:t>P</m:t>
-                                </m:r>
-                                <m:r>
-                                  <m:rPr>
-                                    <m:sty m:val="p"/>
-                                  </m:rPr>
-                                  <a:rPr lang="en-US" baseline="-25000">
-                                    <a:solidFill>
-                                      <a:schemeClr val="tx2">
-                                        <a:lumMod val="50000"/>
-                                      </a:schemeClr>
-                                    </a:solidFill>
-                                    <a:latin typeface="Cambria Math" panose="02040503050406030204" pitchFamily="18" charset="0"/>
-                                    <a:ea typeface="Times New Roman" panose="02020603050405020304" pitchFamily="18" charset="0"/>
-                                    <a:cs typeface="Calibri" panose="020F0502020204030204" pitchFamily="34" charset="0"/>
-                                  </a:rPr>
-                                  <m:t>S</m:t>
-                                </m:r>
-                              </m:num>
-                              <m:den>
-                                <m:sSup>
-                                  <m:sSupPr>
-                                    <m:ctrlPr>
-                                      <a:rPr lang="en-US" i="1">
-                                        <a:solidFill>
-                                          <a:schemeClr val="tx2">
-                                            <a:lumMod val="50000"/>
-                                          </a:schemeClr>
-                                        </a:solidFill>
-                                        <a:latin typeface="Cambria Math" panose="02040503050406030204" pitchFamily="18" charset="0"/>
-                                        <a:ea typeface="Times New Roman" panose="02020603050405020304" pitchFamily="18" charset="0"/>
-                                        <a:cs typeface="Calibri" panose="020F0502020204030204" pitchFamily="34" charset="0"/>
-                                      </a:rPr>
-                                    </m:ctrlPr>
-                                  </m:sSupPr>
-                                  <m:e>
-                                    <m:d>
-                                      <m:dPr>
-                                        <m:begChr m:val="|"/>
-                                        <m:endChr m:val="|"/>
-                                        <m:ctrlPr>
-                                          <a:rPr lang="en-US" i="1">
-                                            <a:solidFill>
-                                              <a:schemeClr val="tx2">
-                                                <a:lumMod val="50000"/>
-                                              </a:schemeClr>
-                                            </a:solidFill>
-                                            <a:latin typeface="Cambria Math" panose="02040503050406030204" pitchFamily="18" charset="0"/>
-                                            <a:ea typeface="Times New Roman" panose="02020603050405020304" pitchFamily="18" charset="0"/>
-                                            <a:cs typeface="Calibri" panose="020F0502020204030204" pitchFamily="34" charset="0"/>
-                                          </a:rPr>
-                                        </m:ctrlPr>
-                                      </m:dPr>
-                                      <m:e>
-                                        <m:sSub>
-                                          <m:sSubPr>
-                                            <m:ctrlPr>
-                                              <a:rPr lang="en-US" altLang="ko-KR" i="1">
-                                                <a:solidFill>
-                                                  <a:schemeClr val="tx2">
-                                                    <a:lumMod val="50000"/>
-                                                  </a:schemeClr>
-                                                </a:solidFill>
-                                                <a:latin typeface="Cambria Math" panose="02040503050406030204" pitchFamily="18" charset="0"/>
-                                              </a:rPr>
-                                            </m:ctrlPr>
-                                          </m:sSubPr>
-                                          <m:e>
-                                            <m:acc>
-                                              <m:accPr>
-                                                <m:chr m:val="̃"/>
-                                                <m:ctrlPr>
-                                                  <a:rPr lang="en-US" altLang="ko-KR" i="1">
-                                                    <a:solidFill>
-                                                      <a:schemeClr val="tx2">
-                                                        <a:lumMod val="50000"/>
-                                                      </a:schemeClr>
-                                                    </a:solidFill>
-                                                    <a:latin typeface="Cambria Math" panose="02040503050406030204" pitchFamily="18" charset="0"/>
-                                                  </a:rPr>
-                                                </m:ctrlPr>
-                                              </m:accPr>
-                                              <m:e>
-                                                <m:r>
-                                                  <m:rPr>
-                                                    <m:sty m:val="p"/>
-                                                  </m:rPr>
-                                                  <a:rPr lang="en-US" altLang="ko-KR">
-                                                    <a:solidFill>
-                                                      <a:schemeClr val="tx2">
-                                                        <a:lumMod val="50000"/>
-                                                      </a:schemeClr>
-                                                    </a:solidFill>
-                                                    <a:latin typeface="Cambria Math" panose="02040503050406030204" pitchFamily="18" charset="0"/>
-                                                  </a:rPr>
-                                                  <m:t>h</m:t>
-                                                </m:r>
-                                              </m:e>
-                                            </m:acc>
-                                          </m:e>
-                                          <m:sub>
-                                            <m:r>
-                                              <m:rPr>
-                                                <m:sty m:val="p"/>
-                                              </m:rPr>
-                                              <a:rPr lang="en-US" altLang="ko-KR">
-                                                <a:solidFill>
-                                                  <a:schemeClr val="tx2">
-                                                    <a:lumMod val="50000"/>
-                                                  </a:schemeClr>
-                                                </a:solidFill>
-                                                <a:latin typeface="Cambria Math" panose="02040503050406030204" pitchFamily="18" charset="0"/>
-                                              </a:rPr>
-                                              <m:t>DD</m:t>
-                                            </m:r>
-                                          </m:sub>
-                                        </m:sSub>
-                                      </m:e>
-                                    </m:d>
-                                  </m:e>
-                                  <m:sup>
-                                    <m:r>
-                                      <a:rPr lang="en-US" i="1">
-                                        <a:solidFill>
-                                          <a:schemeClr val="tx2">
-                                            <a:lumMod val="50000"/>
-                                          </a:schemeClr>
-                                        </a:solidFill>
-                                        <a:latin typeface="Cambria Math" panose="02040503050406030204" pitchFamily="18" charset="0"/>
-                                        <a:ea typeface="Times New Roman" panose="02020603050405020304" pitchFamily="18" charset="0"/>
-                                        <a:cs typeface="Calibri" panose="020F0502020204030204" pitchFamily="34" charset="0"/>
-                                      </a:rPr>
-                                      <m:t>2</m:t>
-                                    </m:r>
-                                  </m:sup>
-                                </m:sSup>
-                                <m:sSub>
-                                  <m:sSubPr>
-                                    <m:ctrlPr>
-                                      <a:rPr lang="en-US" i="1">
-                                        <a:solidFill>
-                                          <a:schemeClr val="tx2">
-                                            <a:lumMod val="50000"/>
-                                          </a:schemeClr>
-                                        </a:solidFill>
-                                        <a:latin typeface="Cambria Math" panose="02040503050406030204" pitchFamily="18" charset="0"/>
-                                        <a:ea typeface="Times New Roman" panose="02020603050405020304" pitchFamily="18" charset="0"/>
-                                        <a:cs typeface="Calibri" panose="020F0502020204030204" pitchFamily="34" charset="0"/>
-                                      </a:rPr>
-                                    </m:ctrlPr>
-                                  </m:sSubPr>
-                                  <m:e>
-                                    <m:r>
-                                      <m:rPr>
-                                        <m:sty m:val="p"/>
-                                      </m:rPr>
-                                      <a:rPr lang="en-US">
-                                        <a:solidFill>
-                                          <a:schemeClr val="tx2">
-                                            <a:lumMod val="50000"/>
-                                          </a:schemeClr>
-                                        </a:solidFill>
-                                        <a:latin typeface="Cambria Math" panose="02040503050406030204" pitchFamily="18" charset="0"/>
-                                        <a:ea typeface="Times New Roman" panose="02020603050405020304" pitchFamily="18" charset="0"/>
-                                        <a:cs typeface="Calibri" panose="020F0502020204030204" pitchFamily="34" charset="0"/>
-                                      </a:rPr>
-                                      <m:t>P</m:t>
-                                    </m:r>
-                                  </m:e>
-                                  <m:sub>
-                                    <m:r>
-                                      <m:rPr>
-                                        <m:sty m:val="p"/>
-                                      </m:rPr>
-                                      <a:rPr lang="en-US">
-                                        <a:solidFill>
-                                          <a:schemeClr val="tx2">
-                                            <a:lumMod val="50000"/>
-                                          </a:schemeClr>
-                                        </a:solidFill>
-                                        <a:latin typeface="Cambria Math" panose="02040503050406030204" pitchFamily="18" charset="0"/>
-                                        <a:ea typeface="Times New Roman" panose="02020603050405020304" pitchFamily="18" charset="0"/>
-                                        <a:cs typeface="Calibri" panose="020F0502020204030204" pitchFamily="34" charset="0"/>
-                                      </a:rPr>
-                                      <m:t>D</m:t>
-                                    </m:r>
-                                  </m:sub>
-                                </m:sSub>
-                                <m:r>
-                                  <a:rPr lang="en-US" i="1">
-                                    <a:solidFill>
-                                      <a:schemeClr val="tx2">
-                                        <a:lumMod val="50000"/>
-                                      </a:schemeClr>
-                                    </a:solidFill>
-                                    <a:latin typeface="Cambria Math" panose="02040503050406030204" pitchFamily="18" charset="0"/>
-                                    <a:ea typeface="Times New Roman" panose="02020603050405020304" pitchFamily="18" charset="0"/>
-                                    <a:cs typeface="Calibri" panose="020F0502020204030204" pitchFamily="34" charset="0"/>
-                                  </a:rPr>
-                                  <m:t>+</m:t>
-                                </m:r>
-                                <m:sSubSup>
-                                  <m:sSubSupPr>
-                                    <m:ctrlPr>
-                                      <a:rPr lang="en-US" i="1">
-                                        <a:solidFill>
-                                          <a:schemeClr val="tx2">
-                                            <a:lumMod val="50000"/>
-                                          </a:schemeClr>
-                                        </a:solidFill>
-                                        <a:latin typeface="Cambria Math" panose="02040503050406030204" pitchFamily="18" charset="0"/>
-                                        <a:ea typeface="Times New Roman" panose="02020603050405020304" pitchFamily="18" charset="0"/>
-                                        <a:cs typeface="Calibri" panose="020F0502020204030204" pitchFamily="34" charset="0"/>
-                                      </a:rPr>
-                                    </m:ctrlPr>
-                                  </m:sSubSupPr>
-                                  <m:e>
-                                    <m:r>
-                                      <m:rPr>
-                                        <m:sty m:val="p"/>
-                                      </m:rPr>
-                                      <a:rPr lang="en-US">
-                                        <a:solidFill>
-                                          <a:schemeClr val="tx2">
-                                            <a:lumMod val="50000"/>
-                                          </a:schemeClr>
-                                        </a:solidFill>
-                                        <a:latin typeface="Cambria Math" panose="02040503050406030204" pitchFamily="18" charset="0"/>
-                                        <a:ea typeface="Times New Roman" panose="02020603050405020304" pitchFamily="18" charset="0"/>
-                                        <a:cs typeface="Calibri" panose="020F0502020204030204" pitchFamily="34" charset="0"/>
-                                      </a:rPr>
-                                      <m:t>σ</m:t>
-                                    </m:r>
-                                  </m:e>
-                                  <m:sub>
-                                    <m:r>
-                                      <m:rPr>
-                                        <m:sty m:val="p"/>
-                                      </m:rPr>
-                                      <a:rPr lang="en-US">
-                                        <a:solidFill>
-                                          <a:schemeClr val="tx2">
-                                            <a:lumMod val="50000"/>
-                                          </a:schemeClr>
-                                        </a:solidFill>
-                                        <a:latin typeface="Cambria Math" panose="02040503050406030204" pitchFamily="18" charset="0"/>
-                                        <a:ea typeface="Times New Roman" panose="02020603050405020304" pitchFamily="18" charset="0"/>
-                                        <a:cs typeface="Calibri" panose="020F0502020204030204" pitchFamily="34" charset="0"/>
-                                      </a:rPr>
-                                      <m:t>D</m:t>
-                                    </m:r>
-                                  </m:sub>
-                                  <m:sup>
-                                    <m:r>
-                                      <a:rPr lang="en-US">
-                                        <a:solidFill>
-                                          <a:schemeClr val="tx2">
-                                            <a:lumMod val="50000"/>
-                                          </a:schemeClr>
-                                        </a:solidFill>
-                                        <a:latin typeface="Cambria Math" panose="02040503050406030204" pitchFamily="18" charset="0"/>
-                                        <a:ea typeface="Times New Roman" panose="02020603050405020304" pitchFamily="18" charset="0"/>
-                                        <a:cs typeface="Calibri" panose="020F0502020204030204" pitchFamily="34" charset="0"/>
-                                      </a:rPr>
-                                      <m:t>2</m:t>
-                                    </m:r>
-                                  </m:sup>
-                                </m:sSubSup>
-                                <m:r>
-                                  <a:rPr lang="en-US" i="1">
-                                    <a:solidFill>
-                                      <a:schemeClr val="tx2">
-                                        <a:lumMod val="50000"/>
-                                      </a:schemeClr>
-                                    </a:solidFill>
-                                    <a:latin typeface="Cambria Math" panose="02040503050406030204" pitchFamily="18" charset="0"/>
-                                    <a:ea typeface="Times New Roman" panose="02020603050405020304" pitchFamily="18" charset="0"/>
-                                    <a:cs typeface="Calibri" panose="020F0502020204030204" pitchFamily="34" charset="0"/>
-                                  </a:rPr>
-                                  <m:t>  </m:t>
-                                </m:r>
-                              </m:den>
-                            </m:f>
-                          </m:e>
-                        </m:d>
-                      </m:e>
-                    </m:func>
-                  </m:oMath>
-                </a14:m>
-                <a:endParaRPr lang="en-US" dirty="0"/>
-              </a:p>
-              <a:p>
-                <a:pPr lvl="1">
-                  <a:lnSpc>
-                    <a:spcPct val="150000"/>
-                  </a:lnSpc>
-                </a:pPr>
-                <a:r>
-                  <a:rPr lang="en-US" dirty="0"/>
-                  <a:t>The achievable public data rate (</a:t>
-                </a:r>
-                <a14:m>
-                  <m:oMath xmlns:m="http://schemas.openxmlformats.org/officeDocument/2006/math">
-                    <m:sSub>
-                      <m:sSubPr>
-                        <m:ctrlPr>
-                          <a:rPr lang="en-US" i="1">
-                            <a:solidFill>
-                              <a:schemeClr val="tx2">
-                                <a:lumMod val="50000"/>
-                              </a:schemeClr>
-                            </a:solidFill>
-                            <a:latin typeface="Cambria Math" panose="02040503050406030204" pitchFamily="18" charset="0"/>
-                            <a:ea typeface="Times New Roman" panose="02020603050405020304" pitchFamily="18" charset="0"/>
-                            <a:cs typeface="Calibri" panose="020F0502020204030204" pitchFamily="34" charset="0"/>
-                          </a:rPr>
-                        </m:ctrlPr>
-                      </m:sSubPr>
-                      <m:e>
-                        <m:acc>
-                          <m:accPr>
-                            <m:chr m:val="̅"/>
-                            <m:ctrlPr>
-                              <a:rPr lang="en-US" i="1">
-                                <a:solidFill>
-                                  <a:schemeClr val="tx2">
-                                    <a:lumMod val="50000"/>
-                                  </a:schemeClr>
-                                </a:solidFill>
-                                <a:latin typeface="Cambria Math" panose="02040503050406030204" pitchFamily="18" charset="0"/>
-                                <a:ea typeface="Times New Roman" panose="02020603050405020304" pitchFamily="18" charset="0"/>
-                                <a:cs typeface="Calibri" panose="020F0502020204030204" pitchFamily="34" charset="0"/>
-                              </a:rPr>
-                            </m:ctrlPr>
-                          </m:accPr>
-                          <m:e>
-                            <m:r>
-                              <m:rPr>
-                                <m:sty m:val="p"/>
-                              </m:rPr>
-                              <a:rPr lang="en-US">
-                                <a:solidFill>
-                                  <a:schemeClr val="tx2">
-                                    <a:lumMod val="50000"/>
-                                  </a:schemeClr>
-                                </a:solidFill>
-                                <a:latin typeface="Cambria Math" panose="02040503050406030204" pitchFamily="18" charset="0"/>
-                                <a:ea typeface="Times New Roman" panose="02020603050405020304" pitchFamily="18" charset="0"/>
-                                <a:cs typeface="Calibri" panose="020F0502020204030204" pitchFamily="34" charset="0"/>
-                              </a:rPr>
-                              <m:t>r</m:t>
-                            </m:r>
-                          </m:e>
-                        </m:acc>
-                      </m:e>
-                      <m:sub>
-                        <m:r>
-                          <m:rPr>
-                            <m:sty m:val="p"/>
-                          </m:rPr>
-                          <a:rPr lang="en-US">
-                            <a:solidFill>
-                              <a:schemeClr val="tx2">
-                                <a:lumMod val="50000"/>
-                              </a:schemeClr>
-                            </a:solidFill>
-                            <a:latin typeface="Cambria Math" panose="02040503050406030204" pitchFamily="18" charset="0"/>
-                            <a:ea typeface="Times New Roman" panose="02020603050405020304" pitchFamily="18" charset="0"/>
-                            <a:cs typeface="Calibri" panose="020F0502020204030204" pitchFamily="34" charset="0"/>
-                          </a:rPr>
-                          <m:t>PD</m:t>
-                        </m:r>
-                      </m:sub>
-                    </m:sSub>
-                  </m:oMath>
-                </a14:m>
-                <a:r>
-                  <a:rPr lang="en-US" dirty="0"/>
-                  <a:t>) is determined as a </a:t>
-                </a:r>
-                <a:r>
-                  <a:rPr lang="en-US" dirty="0">
-                    <a:solidFill>
-                      <a:schemeClr val="accent1">
-                        <a:lumMod val="75000"/>
-                      </a:schemeClr>
-                    </a:solidFill>
-                  </a:rPr>
-                  <a:t>logarithmic function.</a:t>
-                </a:r>
-                <a:endParaRPr lang="en-US" dirty="0"/>
-              </a:p>
-              <a:p>
-                <a:pPr lvl="1">
-                  <a:lnSpc>
-                    <a:spcPct val="150000"/>
-                  </a:lnSpc>
-                </a:pPr>
-                <a:r>
-                  <a:rPr lang="en-US" dirty="0"/>
-                  <a:t>It is </a:t>
-                </a:r>
-                <a:r>
-                  <a:rPr lang="en-US" dirty="0">
-                    <a:solidFill>
-                      <a:schemeClr val="accent1">
-                        <a:lumMod val="75000"/>
-                      </a:schemeClr>
-                    </a:solidFill>
-                  </a:rPr>
-                  <a:t>calculated based on the ratio </a:t>
-                </a:r>
-                <a:r>
-                  <a:rPr lang="en-US" dirty="0"/>
-                  <a:t>of the squared magnitude of the channel from the source to   the destination (</a:t>
-                </a:r>
-                <a14:m>
-                  <m:oMath xmlns:m="http://schemas.openxmlformats.org/officeDocument/2006/math">
-                    <m:sSup>
-                      <m:sSupPr>
-                        <m:ctrlPr>
-                          <a:rPr lang="en-US" i="1" smtClean="0">
-                            <a:solidFill>
-                              <a:srgbClr val="222A35"/>
-                            </a:solidFill>
-                            <a:effectLst/>
-                            <a:latin typeface="Cambria Math" panose="02040503050406030204" pitchFamily="18" charset="0"/>
-                            <a:ea typeface="Times New Roman" panose="02020603050405020304" pitchFamily="18" charset="0"/>
-                            <a:cs typeface="Calibri" panose="020F0502020204030204" pitchFamily="34" charset="0"/>
-                          </a:rPr>
-                        </m:ctrlPr>
-                      </m:sSupPr>
-                      <m:e>
-                        <m:d>
-                          <m:dPr>
-                            <m:begChr m:val="|"/>
-                            <m:endChr m:val="|"/>
-                            <m:ctrlPr>
-                              <a:rPr lang="en-US" i="1">
-                                <a:solidFill>
-                                  <a:srgbClr val="222A35"/>
-                                </a:solidFill>
-                                <a:effectLst/>
-                                <a:latin typeface="Cambria Math" panose="02040503050406030204" pitchFamily="18" charset="0"/>
-                                <a:ea typeface="Times New Roman" panose="02020603050405020304" pitchFamily="18" charset="0"/>
-                                <a:cs typeface="Calibri" panose="020F0502020204030204" pitchFamily="34" charset="0"/>
-                              </a:rPr>
-                            </m:ctrlPr>
-                          </m:dPr>
-                          <m:e>
-                            <m:sSub>
-                              <m:sSubPr>
-                                <m:ctrlPr>
-                                  <a:rPr lang="en-US" i="1">
-                                    <a:solidFill>
-                                      <a:schemeClr val="tx2">
-                                        <a:lumMod val="50000"/>
-                                      </a:schemeClr>
-                                    </a:solidFill>
-                                    <a:latin typeface="Cambria Math" panose="02040503050406030204" pitchFamily="18" charset="0"/>
-                                    <a:ea typeface="Times New Roman" panose="02020603050405020304" pitchFamily="18" charset="0"/>
-                                    <a:cs typeface="Calibri" panose="020F0502020204030204" pitchFamily="34" charset="0"/>
-                                  </a:rPr>
-                                </m:ctrlPr>
-                              </m:sSubPr>
-                              <m:e>
-                                <m:r>
-                                  <m:rPr>
-                                    <m:sty m:val="p"/>
-                                  </m:rPr>
-                                  <a:rPr lang="en-US">
-                                    <a:solidFill>
-                                      <a:schemeClr val="tx2">
-                                        <a:lumMod val="50000"/>
-                                      </a:schemeClr>
-                                    </a:solidFill>
-                                    <a:latin typeface="Cambria Math" panose="02040503050406030204" pitchFamily="18" charset="0"/>
-                                    <a:ea typeface="Times New Roman" panose="02020603050405020304" pitchFamily="18" charset="0"/>
-                                    <a:cs typeface="Calibri" panose="020F0502020204030204" pitchFamily="34" charset="0"/>
-                                  </a:rPr>
-                                  <m:t>h</m:t>
-                                </m:r>
-                              </m:e>
-                              <m:sub>
-                                <m:r>
-                                  <m:rPr>
-                                    <m:sty m:val="p"/>
-                                  </m:rPr>
-                                  <a:rPr lang="en-US">
-                                    <a:solidFill>
-                                      <a:schemeClr val="tx2">
-                                        <a:lumMod val="50000"/>
-                                      </a:schemeClr>
-                                    </a:solidFill>
-                                    <a:latin typeface="Cambria Math" panose="02040503050406030204" pitchFamily="18" charset="0"/>
-                                    <a:ea typeface="Times New Roman" panose="02020603050405020304" pitchFamily="18" charset="0"/>
-                                    <a:cs typeface="Calibri" panose="020F0502020204030204" pitchFamily="34" charset="0"/>
-                                  </a:rPr>
-                                  <m:t>SD</m:t>
-                                </m:r>
-                              </m:sub>
-                            </m:sSub>
-                          </m:e>
-                        </m:d>
-                      </m:e>
-                      <m:sup>
-                        <m:r>
-                          <a:rPr lang="en-US" i="1">
-                            <a:solidFill>
-                              <a:srgbClr val="222A35"/>
-                            </a:solidFill>
-                            <a:effectLst/>
-                            <a:latin typeface="Cambria Math" panose="02040503050406030204" pitchFamily="18" charset="0"/>
-                            <a:ea typeface="Times New Roman" panose="02020603050405020304" pitchFamily="18" charset="0"/>
-                            <a:cs typeface="Calibri" panose="020F0502020204030204" pitchFamily="34" charset="0"/>
-                          </a:rPr>
-                          <m:t>2</m:t>
-                        </m:r>
-                      </m:sup>
-                    </m:sSup>
-                  </m:oMath>
-                </a14:m>
-                <a:r>
-                  <a:rPr lang="en-US" dirty="0"/>
-                  <a:t>) and the estimated squared magnitude of the channel at the destination  (</a:t>
-                </a:r>
-                <a14:m>
-                  <m:oMath xmlns:m="http://schemas.openxmlformats.org/officeDocument/2006/math">
-                    <m:sSup>
-                      <m:sSupPr>
-                        <m:ctrlPr>
-                          <a:rPr lang="en-US" i="1">
-                            <a:solidFill>
-                              <a:schemeClr val="tx2">
-                                <a:lumMod val="50000"/>
-                              </a:schemeClr>
-                            </a:solidFill>
-                            <a:latin typeface="Cambria Math" panose="02040503050406030204" pitchFamily="18" charset="0"/>
-                            <a:ea typeface="Times New Roman" panose="02020603050405020304" pitchFamily="18" charset="0"/>
-                            <a:cs typeface="Calibri" panose="020F0502020204030204" pitchFamily="34" charset="0"/>
-                          </a:rPr>
-                        </m:ctrlPr>
-                      </m:sSupPr>
-                      <m:e>
-                        <m:d>
-                          <m:dPr>
-                            <m:begChr m:val="|"/>
-                            <m:endChr m:val="|"/>
-                            <m:ctrlPr>
-                              <a:rPr lang="en-US" i="1">
-                                <a:solidFill>
-                                  <a:schemeClr val="tx2">
-                                    <a:lumMod val="50000"/>
-                                  </a:schemeClr>
-                                </a:solidFill>
-                                <a:latin typeface="Cambria Math" panose="02040503050406030204" pitchFamily="18" charset="0"/>
-                                <a:ea typeface="Times New Roman" panose="02020603050405020304" pitchFamily="18" charset="0"/>
-                                <a:cs typeface="Calibri" panose="020F0502020204030204" pitchFamily="34" charset="0"/>
-                              </a:rPr>
-                            </m:ctrlPr>
-                          </m:dPr>
-                          <m:e>
-                            <m:sSub>
-                              <m:sSubPr>
-                                <m:ctrlPr>
-                                  <a:rPr lang="en-US" altLang="ko-KR" i="1">
-                                    <a:solidFill>
-                                      <a:schemeClr val="tx2">
-                                        <a:lumMod val="50000"/>
-                                      </a:schemeClr>
-                                    </a:solidFill>
-                                    <a:latin typeface="Cambria Math" panose="02040503050406030204" pitchFamily="18" charset="0"/>
-                                  </a:rPr>
-                                </m:ctrlPr>
-                              </m:sSubPr>
-                              <m:e>
-                                <m:acc>
-                                  <m:accPr>
-                                    <m:chr m:val="̃"/>
-                                    <m:ctrlPr>
-                                      <a:rPr lang="en-US" altLang="ko-KR" i="1">
-                                        <a:solidFill>
-                                          <a:schemeClr val="tx2">
-                                            <a:lumMod val="50000"/>
-                                          </a:schemeClr>
-                                        </a:solidFill>
-                                        <a:latin typeface="Cambria Math" panose="02040503050406030204" pitchFamily="18" charset="0"/>
-                                      </a:rPr>
-                                    </m:ctrlPr>
-                                  </m:accPr>
-                                  <m:e>
-                                    <m:r>
-                                      <m:rPr>
-                                        <m:sty m:val="p"/>
-                                      </m:rPr>
-                                      <a:rPr lang="en-US" altLang="ko-KR">
-                                        <a:solidFill>
-                                          <a:schemeClr val="tx2">
-                                            <a:lumMod val="50000"/>
-                                          </a:schemeClr>
-                                        </a:solidFill>
-                                        <a:latin typeface="Cambria Math" panose="02040503050406030204" pitchFamily="18" charset="0"/>
-                                      </a:rPr>
-                                      <m:t>h</m:t>
-                                    </m:r>
-                                  </m:e>
-                                </m:acc>
-                              </m:e>
-                              <m:sub>
-                                <m:r>
-                                  <m:rPr>
-                                    <m:sty m:val="p"/>
-                                  </m:rPr>
-                                  <a:rPr lang="en-US" altLang="ko-KR">
-                                    <a:solidFill>
-                                      <a:schemeClr val="tx2">
-                                        <a:lumMod val="50000"/>
-                                      </a:schemeClr>
-                                    </a:solidFill>
-                                    <a:latin typeface="Cambria Math" panose="02040503050406030204" pitchFamily="18" charset="0"/>
-                                  </a:rPr>
-                                  <m:t>DD</m:t>
-                                </m:r>
-                              </m:sub>
-                            </m:sSub>
-                          </m:e>
-                        </m:d>
-                      </m:e>
-                      <m:sup>
-                        <m:r>
-                          <a:rPr lang="en-US" i="1">
-                            <a:solidFill>
-                              <a:schemeClr val="tx2">
-                                <a:lumMod val="50000"/>
-                              </a:schemeClr>
-                            </a:solidFill>
-                            <a:latin typeface="Cambria Math" panose="02040503050406030204" pitchFamily="18" charset="0"/>
-                            <a:ea typeface="Times New Roman" panose="02020603050405020304" pitchFamily="18" charset="0"/>
-                            <a:cs typeface="Calibri" panose="020F0502020204030204" pitchFamily="34" charset="0"/>
-                          </a:rPr>
-                          <m:t>2</m:t>
-                        </m:r>
-                      </m:sup>
-                    </m:sSup>
-                  </m:oMath>
-                </a14:m>
-                <a:r>
-                  <a:rPr lang="en-US" dirty="0"/>
-                  <a:t>).</a:t>
-                </a:r>
-              </a:p>
-              <a:p>
-                <a:pPr lvl="1">
-                  <a:lnSpc>
-                    <a:spcPct val="150000"/>
-                  </a:lnSpc>
-                </a:pPr>
-                <a:r>
-                  <a:rPr lang="en-US" dirty="0"/>
-                  <a:t>The calculation also </a:t>
-                </a:r>
-                <a:r>
-                  <a:rPr lang="en-US" dirty="0">
-                    <a:solidFill>
-                      <a:schemeClr val="accent1">
-                        <a:lumMod val="75000"/>
-                      </a:schemeClr>
-                    </a:solidFill>
-                  </a:rPr>
-                  <a:t>considers </a:t>
-                </a:r>
-                <a:r>
-                  <a:rPr lang="en-US" dirty="0"/>
-                  <a:t>the source power (</a:t>
-                </a:r>
-                <a14:m>
-                  <m:oMath xmlns:m="http://schemas.openxmlformats.org/officeDocument/2006/math">
-                    <m:r>
-                      <m:rPr>
-                        <m:sty m:val="p"/>
-                      </m:rPr>
-                      <a:rPr lang="en-US" i="0" smtClean="0">
-                        <a:solidFill>
-                          <a:srgbClr val="222A35"/>
-                        </a:solidFill>
-                        <a:effectLst/>
-                        <a:latin typeface="Cambria Math" panose="02040503050406030204" pitchFamily="18" charset="0"/>
-                        <a:ea typeface="Times New Roman" panose="02020603050405020304" pitchFamily="18" charset="0"/>
-                        <a:cs typeface="Calibri" panose="020F0502020204030204" pitchFamily="34" charset="0"/>
-                      </a:rPr>
-                      <m:t>P</m:t>
-                    </m:r>
-                    <m:r>
-                      <m:rPr>
-                        <m:sty m:val="p"/>
-                      </m:rPr>
-                      <a:rPr lang="en-US" b="0" i="0" baseline="-25000" smtClean="0">
-                        <a:solidFill>
-                          <a:srgbClr val="222A35"/>
-                        </a:solidFill>
-                        <a:effectLst/>
-                        <a:latin typeface="Cambria Math" panose="02040503050406030204" pitchFamily="18" charset="0"/>
-                        <a:ea typeface="Times New Roman" panose="02020603050405020304" pitchFamily="18" charset="0"/>
-                        <a:cs typeface="Calibri" panose="020F0502020204030204" pitchFamily="34" charset="0"/>
-                      </a:rPr>
-                      <m:t>S</m:t>
-                    </m:r>
-                  </m:oMath>
-                </a14:m>
-                <a:r>
-                  <a:rPr lang="en-US" dirty="0"/>
-                  <a:t>), destination power (</a:t>
-                </a:r>
-                <a14:m>
-                  <m:oMath xmlns:m="http://schemas.openxmlformats.org/officeDocument/2006/math">
-                    <m:sSub>
-                      <m:sSubPr>
-                        <m:ctrlPr>
-                          <a:rPr lang="en-US" i="1">
-                            <a:solidFill>
-                              <a:srgbClr val="222A35"/>
-                            </a:solidFill>
-                            <a:latin typeface="Cambria Math" panose="02040503050406030204" pitchFamily="18" charset="0"/>
-                            <a:ea typeface="Times New Roman" panose="02020603050405020304" pitchFamily="18" charset="0"/>
-                            <a:cs typeface="Calibri" panose="020F0502020204030204" pitchFamily="34" charset="0"/>
-                          </a:rPr>
-                        </m:ctrlPr>
-                      </m:sSubPr>
-                      <m:e>
-                        <m:r>
-                          <m:rPr>
-                            <m:sty m:val="p"/>
-                          </m:rPr>
-                          <a:rPr lang="en-US" i="0">
-                            <a:solidFill>
-                              <a:srgbClr val="222A35"/>
-                            </a:solidFill>
-                            <a:latin typeface="Cambria Math" panose="02040503050406030204" pitchFamily="18" charset="0"/>
-                            <a:ea typeface="Times New Roman" panose="02020603050405020304" pitchFamily="18" charset="0"/>
-                            <a:cs typeface="Calibri" panose="020F0502020204030204" pitchFamily="34" charset="0"/>
-                          </a:rPr>
-                          <m:t>P</m:t>
-                        </m:r>
-                      </m:e>
-                      <m:sub>
-                        <m:r>
-                          <m:rPr>
-                            <m:sty m:val="p"/>
-                          </m:rPr>
-                          <a:rPr lang="en-US" i="0">
-                            <a:solidFill>
-                              <a:srgbClr val="222A35"/>
-                            </a:solidFill>
-                            <a:latin typeface="Cambria Math" panose="02040503050406030204" pitchFamily="18" charset="0"/>
-                            <a:ea typeface="Times New Roman" panose="02020603050405020304" pitchFamily="18" charset="0"/>
-                            <a:cs typeface="Calibri" panose="020F0502020204030204" pitchFamily="34" charset="0"/>
-                          </a:rPr>
-                          <m:t>D</m:t>
-                        </m:r>
-                      </m:sub>
-                    </m:sSub>
-                  </m:oMath>
-                </a14:m>
-                <a:r>
-                  <a:rPr lang="en-US" dirty="0"/>
-                  <a:t>), and the variance of the noise (</a:t>
-                </a:r>
-                <a14:m>
-                  <m:oMath xmlns:m="http://schemas.openxmlformats.org/officeDocument/2006/math">
-                    <m:sSubSup>
-                      <m:sSubSupPr>
-                        <m:ctrlPr>
-                          <a:rPr lang="en-US" i="1">
-                            <a:solidFill>
-                              <a:schemeClr val="tx2">
-                                <a:lumMod val="50000"/>
-                              </a:schemeClr>
-                            </a:solidFill>
-                            <a:latin typeface="Cambria Math" panose="02040503050406030204" pitchFamily="18" charset="0"/>
-                            <a:ea typeface="Times New Roman" panose="02020603050405020304" pitchFamily="18" charset="0"/>
-                            <a:cs typeface="Calibri" panose="020F0502020204030204" pitchFamily="34" charset="0"/>
-                          </a:rPr>
-                        </m:ctrlPr>
-                      </m:sSubSupPr>
-                      <m:e>
-                        <m:r>
-                          <m:rPr>
-                            <m:sty m:val="p"/>
-                          </m:rPr>
-                          <a:rPr lang="en-US">
-                            <a:solidFill>
-                              <a:schemeClr val="tx2">
-                                <a:lumMod val="50000"/>
-                              </a:schemeClr>
-                            </a:solidFill>
-                            <a:latin typeface="Cambria Math" panose="02040503050406030204" pitchFamily="18" charset="0"/>
-                            <a:ea typeface="Times New Roman" panose="02020603050405020304" pitchFamily="18" charset="0"/>
-                            <a:cs typeface="Calibri" panose="020F0502020204030204" pitchFamily="34" charset="0"/>
-                          </a:rPr>
-                          <m:t>σ</m:t>
-                        </m:r>
-                      </m:e>
-                      <m:sub>
-                        <m:r>
-                          <m:rPr>
-                            <m:sty m:val="p"/>
-                          </m:rPr>
-                          <a:rPr lang="en-US">
-                            <a:solidFill>
-                              <a:schemeClr val="tx2">
-                                <a:lumMod val="50000"/>
-                              </a:schemeClr>
-                            </a:solidFill>
-                            <a:latin typeface="Cambria Math" panose="02040503050406030204" pitchFamily="18" charset="0"/>
-                            <a:ea typeface="Times New Roman" panose="02020603050405020304" pitchFamily="18" charset="0"/>
-                            <a:cs typeface="Calibri" panose="020F0502020204030204" pitchFamily="34" charset="0"/>
-                          </a:rPr>
-                          <m:t>D</m:t>
-                        </m:r>
-                      </m:sub>
-                      <m:sup>
-                        <m:r>
-                          <a:rPr lang="en-US">
-                            <a:solidFill>
-                              <a:schemeClr val="tx2">
-                                <a:lumMod val="50000"/>
-                              </a:schemeClr>
-                            </a:solidFill>
-                            <a:latin typeface="Cambria Math" panose="02040503050406030204" pitchFamily="18" charset="0"/>
-                            <a:ea typeface="Times New Roman" panose="02020603050405020304" pitchFamily="18" charset="0"/>
-                            <a:cs typeface="Calibri" panose="020F0502020204030204" pitchFamily="34" charset="0"/>
-                          </a:rPr>
-                          <m:t>2</m:t>
-                        </m:r>
-                      </m:sup>
-                    </m:sSubSup>
-                  </m:oMath>
-                </a14:m>
-                <a:r>
-                  <a:rPr lang="en-US" dirty="0"/>
-                  <a:t>).</a:t>
-                </a:r>
-              </a:p>
-            </p:txBody>
-          </p:sp>
-        </mc:Choice>
-        <mc:Fallback xmlns="">
-          <p:sp>
-            <p:nvSpPr>
-              <p:cNvPr id="3" name="Content Placeholder 2">
-                <a:extLst>
-                  <a:ext uri="{FF2B5EF4-FFF2-40B4-BE49-F238E27FC236}">
-                    <a16:creationId xmlns:a16="http://schemas.microsoft.com/office/drawing/2014/main" id="{B24B5736-F2DE-FC39-5590-807CA1948066}"/>
-                  </a:ext>
-                </a:extLst>
-              </p:cNvPr>
-              <p:cNvSpPr>
-                <a:spLocks noGrp="1" noRot="1" noChangeAspect="1" noMove="1" noResize="1" noEditPoints="1" noAdjustHandles="1" noChangeArrowheads="1" noChangeShapeType="1" noTextEdit="1"/>
-              </p:cNvSpPr>
-              <p:nvPr>
-                <p:ph idx="1"/>
-              </p:nvPr>
-            </p:nvSpPr>
-            <p:spPr>
-              <a:xfrm>
-                <a:off x="838200" y="1649690"/>
-                <a:ext cx="10515600" cy="4706659"/>
-              </a:xfrm>
-              <a:blipFill>
-                <a:blip r:embed="rId2"/>
-                <a:stretch>
-                  <a:fillRect l="-638" t="-1295" r="-406" b="-1295"/>
-                </a:stretch>
-              </a:blipFill>
-            </p:spPr>
-            <p:txBody>
-              <a:bodyPr/>
-              <a:lstStyle/>
-              <a:p>
-                <a:r>
-                  <a:rPr lang="en-US">
-                    <a:noFill/>
-                  </a:rPr>
-                  <a:t> </a:t>
-                </a:r>
-              </a:p>
-            </p:txBody>
-          </p:sp>
-        </mc:Fallback>
-      </mc:AlternateContent>
-      <p:sp>
-        <p:nvSpPr>
-          <p:cNvPr id="4" name="Slide Number Placeholder 3">
-            <a:extLst>
-              <a:ext uri="{FF2B5EF4-FFF2-40B4-BE49-F238E27FC236}">
-                <a16:creationId xmlns:a16="http://schemas.microsoft.com/office/drawing/2014/main" id="{048121C8-6E6F-8BA2-1F20-9A1A4782F8B4}"/>
-              </a:ext>
-            </a:extLst>
-          </p:cNvPr>
-          <p:cNvSpPr>
-            <a:spLocks noGrp="1"/>
-          </p:cNvSpPr>
-          <p:nvPr>
-            <p:ph type="sldNum" sz="quarter" idx="12"/>
-          </p:nvPr>
-        </p:nvSpPr>
-        <p:spPr/>
-        <p:txBody>
-          <a:bodyPr/>
-          <a:lstStyle/>
-          <a:p>
-            <a:fld id="{A439D109-9F59-4B0B-8E20-D6D3A384B1F1}" type="slidenum">
-              <a:rPr lang="ko-KR" altLang="en-US" smtClean="0"/>
-              <a:t>9</a:t>
-            </a:fld>
-            <a:endParaRPr lang="ko-KR" altLang="en-US"/>
-          </a:p>
-        </p:txBody>
-      </p:sp>
-    </p:spTree>
-    <p:extLst>
-      <p:ext uri="{BB962C8B-B14F-4D97-AF65-F5344CB8AC3E}">
-        <p14:creationId xmlns:p14="http://schemas.microsoft.com/office/powerpoint/2010/main" val="216717300"/>
       </p:ext>
     </p:extLst>
   </p:cSld>

--- a/winter_conference_2024.pptx
+++ b/winter_conference_2024.pptx
@@ -10,8 +10,8 @@
   <p:sldIdLst>
     <p:sldId id="1556" r:id="rId2"/>
     <p:sldId id="1557" r:id="rId3"/>
-    <p:sldId id="1559" r:id="rId4"/>
-    <p:sldId id="1575" r:id="rId5"/>
+    <p:sldId id="1575" r:id="rId4"/>
+    <p:sldId id="1559" r:id="rId5"/>
     <p:sldId id="1560" r:id="rId6"/>
     <p:sldId id="1561" r:id="rId7"/>
     <p:sldId id="1562" r:id="rId8"/>
@@ -414,7 +414,7 @@
           <a:p>
             <a:fld id="{0D7A80AD-75C0-4139-8349-D7A56AAE3422}" type="datetimeFigureOut">
               <a:rPr lang="ko-KR" altLang="en-US" smtClean="0"/>
-              <a:t>2024-01-31</a:t>
+              <a:t>2024-02-05</a:t>
             </a:fld>
             <a:endParaRPr lang="ko-KR" altLang="en-US"/>
           </a:p>
@@ -918,7 +918,7 @@
           <a:p>
             <a:fld id="{3DF3EF48-9CCD-4EE9-BB40-4739D0DAE972}" type="datetime1">
               <a:rPr lang="ko-KR" altLang="en-US" smtClean="0"/>
-              <a:t>2024-01-31</a:t>
+              <a:t>2024-02-05</a:t>
             </a:fld>
             <a:endParaRPr lang="ko-KR" altLang="en-US"/>
           </a:p>
@@ -1189,7 +1189,7 @@
           <a:p>
             <a:fld id="{9E45620A-9A66-47B0-9218-43F171A33458}" type="datetime1">
               <a:rPr lang="ko-KR" altLang="en-US" smtClean="0"/>
-              <a:t>2024-01-31</a:t>
+              <a:t>2024-02-05</a:t>
             </a:fld>
             <a:endParaRPr lang="ko-KR" altLang="en-US"/>
           </a:p>
@@ -1465,7 +1465,7 @@
           <a:p>
             <a:fld id="{C1E586D9-B5F3-454A-8918-B4C99ED5AEDE}" type="datetime1">
               <a:rPr lang="ko-KR" altLang="en-US" smtClean="0"/>
-              <a:t>2024-01-31</a:t>
+              <a:t>2024-02-05</a:t>
             </a:fld>
             <a:endParaRPr lang="ko-KR" altLang="en-US"/>
           </a:p>
@@ -1689,7 +1689,7 @@
           <a:p>
             <a:fld id="{B0E4ADD3-F434-478C-876A-1D3933DF4707}" type="datetime1">
               <a:rPr lang="ko-KR" altLang="en-US" smtClean="0"/>
-              <a:t>2024-01-31</a:t>
+              <a:t>2024-02-05</a:t>
             </a:fld>
             <a:endParaRPr lang="ko-KR" altLang="en-US"/>
           </a:p>
@@ -2043,7 +2043,7 @@
           <a:p>
             <a:fld id="{38DF26BB-6A75-410D-A6B0-8FD34915C10D}" type="datetime1">
               <a:rPr lang="ko-KR" altLang="en-US" smtClean="0"/>
-              <a:t>2024-01-31</a:t>
+              <a:t>2024-02-05</a:t>
             </a:fld>
             <a:endParaRPr lang="ko-KR" altLang="en-US"/>
           </a:p>
@@ -2423,7 +2423,7 @@
           <a:p>
             <a:fld id="{4584CDF8-1723-475A-8393-34F016E9B184}" type="datetime1">
               <a:rPr lang="ko-KR" altLang="en-US" smtClean="0"/>
-              <a:t>2024-01-31</a:t>
+              <a:t>2024-02-05</a:t>
             </a:fld>
             <a:endParaRPr lang="ko-KR" altLang="en-US"/>
           </a:p>
@@ -2903,7 +2903,7 @@
           <a:p>
             <a:fld id="{FB8CCD4A-1F8C-4D3E-BDD6-84C4090AF0D6}" type="datetime1">
               <a:rPr lang="ko-KR" altLang="en-US" smtClean="0"/>
-              <a:t>2024-01-31</a:t>
+              <a:t>2024-02-05</a:t>
             </a:fld>
             <a:endParaRPr lang="ko-KR" altLang="en-US"/>
           </a:p>
@@ -3044,7 +3044,7 @@
           <a:p>
             <a:fld id="{CE073545-46C1-49FB-A041-5415163523D0}" type="datetime1">
               <a:rPr lang="ko-KR" altLang="en-US" smtClean="0"/>
-              <a:t>2024-01-31</a:t>
+              <a:t>2024-02-05</a:t>
             </a:fld>
             <a:endParaRPr lang="ko-KR" altLang="en-US"/>
           </a:p>
@@ -3225,7 +3225,7 @@
           <a:p>
             <a:fld id="{7EDBC6A4-6274-4803-89FF-1DA18D4FE7AA}" type="datetime1">
               <a:rPr lang="ko-KR" altLang="en-US" smtClean="0"/>
-              <a:t>2024-01-31</a:t>
+              <a:t>2024-02-05</a:t>
             </a:fld>
             <a:endParaRPr lang="ko-KR" altLang="en-US"/>
           </a:p>
@@ -3536,7 +3536,7 @@
           <a:p>
             <a:fld id="{B84A353D-6971-4305-AB04-6AEE4DD0E048}" type="datetime1">
               <a:rPr lang="ko-KR" altLang="en-US" smtClean="0"/>
-              <a:t>2024-01-31</a:t>
+              <a:t>2024-02-05</a:t>
             </a:fld>
             <a:endParaRPr lang="ko-KR" altLang="en-US"/>
           </a:p>
@@ -3824,7 +3824,7 @@
           <a:p>
             <a:fld id="{4AC75523-461B-44DB-AD97-7C06B206BE7B}" type="datetime1">
               <a:rPr lang="ko-KR" altLang="en-US" smtClean="0"/>
-              <a:t>2024-01-31</a:t>
+              <a:t>2024-02-05</a:t>
             </a:fld>
             <a:endParaRPr lang="ko-KR" altLang="en-US"/>
           </a:p>
@@ -4069,7 +4069,7 @@
           <a:p>
             <a:fld id="{9D1D2423-15C0-4D7C-B759-40ACCC100800}" type="datetime1">
               <a:rPr lang="ko-KR" altLang="en-US" smtClean="0"/>
-              <a:t>2024-01-31</a:t>
+              <a:t>2024-02-05</a:t>
             </a:fld>
             <a:endParaRPr lang="ko-KR" altLang="en-US"/>
           </a:p>
@@ -5231,18 +5231,7 @@
                                 </a:solidFill>
                                 <a:latin typeface="Cambria Math" panose="02040503050406030204" pitchFamily="18" charset="0"/>
                               </a:rPr>
-                              <m:t>1</m:t>
-                            </m:r>
-                            <m:r>
-                              <a:rPr lang="en-US" i="1" dirty="0">
-                                <a:solidFill>
-                                  <a:schemeClr val="tx2">
-                                    <a:lumMod val="50000"/>
-                                  </a:schemeClr>
-                                </a:solidFill>
-                                <a:latin typeface="Cambria Math" panose="02040503050406030204" pitchFamily="18" charset="0"/>
-                              </a:rPr>
-                              <m:t>+</m:t>
+                              <m:t>1+</m:t>
                             </m:r>
                             <m:f>
                               <m:fPr>
@@ -9477,7 +9466,7 @@
                         <a:ea typeface="Times New Roman" panose="02020603050405020304" pitchFamily="18" charset="0"/>
                         <a:cs typeface="Calibri" panose="020F0502020204030204" pitchFamily="34" charset="0"/>
                       </a:rPr>
-                      <m:t>h</m:t>
+                      <m:t>h𝑆</m:t>
                     </m:r>
                     <m:r>
                       <a:rPr lang="en-US" sz="2000" b="0" i="1" baseline="-25000" smtClean="0">
@@ -9486,7 +9475,7 @@
                         <a:ea typeface="Times New Roman" panose="02020603050405020304" pitchFamily="18" charset="0"/>
                         <a:cs typeface="Calibri" panose="020F0502020204030204" pitchFamily="34" charset="0"/>
                       </a:rPr>
-                      <m:t>𝑆𝑊</m:t>
+                      <m:t>𝑊</m:t>
                     </m:r>
                     <m:rad>
                       <m:radPr>
@@ -9549,15 +9538,7 @@
                         <a:latin typeface="Cambria Math" panose="02040503050406030204" pitchFamily="18" charset="0"/>
                         <a:cs typeface="Calibri" panose="020F0502020204030204" pitchFamily="34" charset="0"/>
                       </a:rPr>
-                      <m:t>h</m:t>
-                    </m:r>
-                    <m:r>
-                      <a:rPr lang="en-US" sz="2000" b="0" i="1" baseline="-25000" smtClean="0">
-                        <a:effectLst/>
-                        <a:latin typeface="Cambria Math" panose="02040503050406030204" pitchFamily="18" charset="0"/>
-                        <a:cs typeface="Calibri" panose="020F0502020204030204" pitchFamily="34" charset="0"/>
-                      </a:rPr>
-                      <m:t>𝐷𝑊</m:t>
+                      <m:t>h𝐷𝑊</m:t>
                     </m:r>
                     <m:rad>
                       <m:radPr>
@@ -9871,16 +9852,7 @@
                         <a:ea typeface="Times New Roman" panose="02020603050405020304" pitchFamily="18" charset="0"/>
                         <a:cs typeface="Calibri" panose="020F0502020204030204" pitchFamily="34" charset="0"/>
                       </a:rPr>
-                      <m:t>h</m:t>
-                    </m:r>
-                    <m:r>
-                      <a:rPr lang="en-US" sz="2000" b="0" i="1" baseline="-25000" smtClean="0">
-                        <a:effectLst/>
-                        <a:latin typeface="Cambria Math" panose="02040503050406030204" pitchFamily="18" charset="0"/>
-                        <a:ea typeface="Times New Roman" panose="02020603050405020304" pitchFamily="18" charset="0"/>
-                        <a:cs typeface="Calibri" panose="020F0502020204030204" pitchFamily="34" charset="0"/>
-                      </a:rPr>
-                      <m:t>𝑆𝑊</m:t>
+                      <m:t>h𝑆𝑊</m:t>
                     </m:r>
                     <m:rad>
                       <m:radPr>
@@ -10315,15 +10287,7 @@
                         <a:ea typeface="Cambria Math" panose="02040503050406030204" pitchFamily="18" charset="0"/>
                         <a:cs typeface="Calibri" panose="020F0502020204030204" pitchFamily="34" charset="0"/>
                       </a:rPr>
-                      <m:t>→</m:t>
-                    </m:r>
-                    <m:r>
-                      <a:rPr lang="en-US" i="1" smtClean="0">
-                        <a:latin typeface="Cambria Math" panose="02040503050406030204" pitchFamily="18" charset="0"/>
-                        <a:ea typeface="Cambria Math" panose="02040503050406030204" pitchFamily="18" charset="0"/>
-                        <a:cs typeface="Calibri" panose="020F0502020204030204" pitchFamily="34" charset="0"/>
-                      </a:rPr>
-                      <m:t>∞</m:t>
+                      <m:t>→∞</m:t>
                     </m:r>
                     <m:r>
                       <a:rPr lang="en-US" b="0" i="1" smtClean="0">
@@ -13769,18 +13733,7 @@
                         </a:solidFill>
                         <a:latin typeface="Cambria Math" panose="02040503050406030204" pitchFamily="18" charset="0"/>
                       </a:rPr>
-                      <m:t>0</m:t>
-                    </m:r>
-                    <m:r>
-                      <a:rPr lang="en-US" b="0" i="1" smtClean="0">
-                        <a:solidFill>
-                          <a:schemeClr val="tx2">
-                            <a:lumMod val="50000"/>
-                          </a:schemeClr>
-                        </a:solidFill>
-                        <a:latin typeface="Cambria Math" panose="02040503050406030204" pitchFamily="18" charset="0"/>
-                      </a:rPr>
-                      <m:t> ≤</m:t>
+                      <m:t>0 ≤</m:t>
                     </m:r>
                     <m:r>
                       <a:rPr lang="en-US" b="0" i="1" smtClean="0">
@@ -14170,19 +14123,7 @@
                             <a:latin typeface="Cambria Math" panose="02040503050406030204" pitchFamily="18" charset="0"/>
                             <a:ea typeface="Cambria Math" panose="02040503050406030204" pitchFamily="18" charset="0"/>
                           </a:rPr>
-                          <m:t>1</m:t>
-                        </m:r>
-                        <m:r>
-                          <a:rPr lang="en-US" b="0" i="1" smtClean="0">
-                            <a:solidFill>
-                              <a:schemeClr val="tx2">
-                                <a:lumMod val="50000"/>
-                              </a:schemeClr>
-                            </a:solidFill>
-                            <a:latin typeface="Cambria Math" panose="02040503050406030204" pitchFamily="18" charset="0"/>
-                            <a:ea typeface="Cambria Math" panose="02040503050406030204" pitchFamily="18" charset="0"/>
-                          </a:rPr>
-                          <m:t>−</m:t>
+                          <m:t>1−</m:t>
                         </m:r>
                         <m:f>
                           <m:fPr>
@@ -14458,19 +14399,7 @@
                                         <a:latin typeface="Cambria Math" panose="02040503050406030204" pitchFamily="18" charset="0"/>
                                         <a:ea typeface="Cambria Math" panose="02040503050406030204" pitchFamily="18" charset="0"/>
                                       </a:rPr>
-                                      <m:t>1</m:t>
-                                    </m:r>
-                                    <m:r>
-                                      <a:rPr lang="en-US" b="0" i="1" smtClean="0">
-                                        <a:solidFill>
-                                          <a:schemeClr val="tx2">
-                                            <a:lumMod val="50000"/>
-                                          </a:schemeClr>
-                                        </a:solidFill>
-                                        <a:latin typeface="Cambria Math" panose="02040503050406030204" pitchFamily="18" charset="0"/>
-                                        <a:ea typeface="Cambria Math" panose="02040503050406030204" pitchFamily="18" charset="0"/>
-                                      </a:rPr>
-                                      <m:t>−</m:t>
+                                      <m:t>1−</m:t>
                                     </m:r>
                                     <m:r>
                                       <a:rPr lang="en-US" b="0" i="1" smtClean="0">
@@ -15584,7 +15513,7 @@
           <p:cNvPr id="2" name="Title 1">
             <a:extLst>
               <a:ext uri="{FF2B5EF4-FFF2-40B4-BE49-F238E27FC236}">
-                <a16:creationId xmlns:a16="http://schemas.microsoft.com/office/drawing/2014/main" id="{E3824FA3-B65C-9221-1E0A-6E4709E26351}"/>
+                <a16:creationId xmlns:a16="http://schemas.microsoft.com/office/drawing/2014/main" id="{B39C4ABF-35A6-FB09-B976-5C66F7E08F81}"/>
               </a:ext>
             </a:extLst>
           </p:cNvPr>
@@ -15612,7 +15541,7 @@
           <p:cNvPr id="3" name="Content Placeholder 2">
             <a:extLst>
               <a:ext uri="{FF2B5EF4-FFF2-40B4-BE49-F238E27FC236}">
-                <a16:creationId xmlns:a16="http://schemas.microsoft.com/office/drawing/2014/main" id="{36E77992-FB8E-D048-552F-AE7E2DDCEE28}"/>
+                <a16:creationId xmlns:a16="http://schemas.microsoft.com/office/drawing/2014/main" id="{EE821DAC-C2BB-949F-19A9-72CC34BA186B}"/>
               </a:ext>
             </a:extLst>
           </p:cNvPr>
@@ -15623,15 +15552,90 @@
             <p:ph idx="1"/>
           </p:nvPr>
         </p:nvSpPr>
-        <p:spPr>
-          <a:xfrm>
-            <a:off x="838199" y="1649690"/>
-            <a:ext cx="11096135" cy="4911365"/>
-          </a:xfrm>
-        </p:spPr>
+        <p:spPr/>
         <p:txBody>
           <a:bodyPr/>
           <a:lstStyle/>
+          <a:p>
+            <a:r>
+              <a:rPr lang="en-US" b="1" i="0" dirty="0">
+                <a:solidFill>
+                  <a:schemeClr val="accent2">
+                    <a:lumMod val="50000"/>
+                  </a:schemeClr>
+                </a:solidFill>
+                <a:effectLst/>
+                <a:latin typeface="ElsevierSans"/>
+              </a:rPr>
+              <a:t>Vehicular Communications Overview</a:t>
+            </a:r>
+            <a:r>
+              <a:rPr lang="en-US" b="1" i="0" dirty="0">
+                <a:solidFill>
+                  <a:srgbClr val="1F1F1F"/>
+                </a:solidFill>
+                <a:effectLst/>
+                <a:latin typeface="ElsevierSans"/>
+              </a:rPr>
+              <a:t>:</a:t>
+            </a:r>
+          </a:p>
+          <a:p>
+            <a:pPr lvl="1">
+              <a:lnSpc>
+                <a:spcPct val="150000"/>
+              </a:lnSpc>
+            </a:pPr>
+            <a:r>
+              <a:rPr lang="en-US" dirty="0"/>
+              <a:t>Growing area of communication between vehicles and </a:t>
+            </a:r>
+            <a:r>
+              <a:rPr lang="en-US" dirty="0">
+                <a:solidFill>
+                  <a:schemeClr val="accent1">
+                    <a:lumMod val="50000"/>
+                  </a:schemeClr>
+                </a:solidFill>
+              </a:rPr>
+              <a:t>roadside infrastructure</a:t>
+            </a:r>
+            <a:r>
+              <a:rPr lang="en-US" dirty="0"/>
+              <a:t>.</a:t>
+            </a:r>
+          </a:p>
+          <a:p>
+            <a:pPr lvl="1">
+              <a:lnSpc>
+                <a:spcPct val="150000"/>
+              </a:lnSpc>
+            </a:pPr>
+            <a:r>
+              <a:rPr lang="en-US" dirty="0"/>
+              <a:t>Enabled by advances in </a:t>
+            </a:r>
+            <a:r>
+              <a:rPr lang="en-US" dirty="0">
+                <a:solidFill>
+                  <a:schemeClr val="accent1">
+                    <a:lumMod val="50000"/>
+                  </a:schemeClr>
+                </a:solidFill>
+              </a:rPr>
+              <a:t>wireless communication technologies</a:t>
+            </a:r>
+            <a:r>
+              <a:rPr lang="en-US" dirty="0"/>
+              <a:t>.</a:t>
+            </a:r>
+            <a:endParaRPr lang="en-US" b="1" dirty="0">
+              <a:solidFill>
+                <a:srgbClr val="1F1F1F"/>
+              </a:solidFill>
+              <a:latin typeface="ElsevierSans"/>
+            </a:endParaRPr>
+          </a:p>
           <a:p>
             <a:r>
               <a:rPr lang="en-US" dirty="0">
@@ -15641,51 +15645,18 @@
                   </a:schemeClr>
                 </a:solidFill>
               </a:rPr>
-              <a:t>Challenges of Secure Communication:</a:t>
-            </a:r>
-            <a:endParaRPr lang="en-US" dirty="0"/>
-          </a:p>
-          <a:p>
-            <a:pPr>
-              <a:lnSpc>
-                <a:spcPct val="100000"/>
-              </a:lnSpc>
-            </a:pPr>
-            <a:r>
-              <a:rPr lang="en-US" dirty="0">
-                <a:solidFill>
-                  <a:schemeClr val="accent6">
-                    <a:lumMod val="50000"/>
-                  </a:schemeClr>
-                </a:solidFill>
-              </a:rPr>
-              <a:t>Security Threats:</a:t>
-            </a:r>
-          </a:p>
-          <a:p>
-            <a:pPr lvl="1">
-              <a:lnSpc>
-                <a:spcPct val="100000"/>
-              </a:lnSpc>
-            </a:pPr>
-            <a:r>
-              <a:rPr lang="en-US" sz="2000" dirty="0"/>
-              <a:t>Opponents can conduct traffic analysis by </a:t>
-            </a:r>
-            <a:r>
-              <a:rPr lang="en-US" sz="2000" dirty="0">
-                <a:solidFill>
-                  <a:schemeClr val="accent1">
-                    <a:lumMod val="75000"/>
-                  </a:schemeClr>
-                </a:solidFill>
-              </a:rPr>
-              <a:t>collecting metadata </a:t>
-            </a:r>
-            <a:r>
-              <a:rPr lang="en-US" sz="2000" dirty="0"/>
-              <a:t>during transmission.</a:t>
-            </a:r>
+              <a:t>Real-Time Information Sharing</a:t>
+            </a:r>
+            <a:r>
+              <a:rPr lang="en-US" dirty="0"/>
+              <a:t>:</a:t>
+            </a:r>
+            <a:endParaRPr lang="en-US" b="1" dirty="0">
+              <a:solidFill>
+                <a:srgbClr val="1F1F1F"/>
+              </a:solidFill>
+              <a:latin typeface="ElsevierSans"/>
+            </a:endParaRPr>
           </a:p>
           <a:p>
             <a:pPr lvl="1">
@@ -15694,63 +15665,33 @@
               </a:lnSpc>
             </a:pPr>
             <a:r>
-              <a:rPr lang="en-US" sz="2000" dirty="0">
+              <a:rPr lang="en-US" dirty="0">
                 <a:solidFill>
                   <a:schemeClr val="accent1">
-                    <a:lumMod val="75000"/>
-                  </a:schemeClr>
-                </a:solidFill>
-              </a:rPr>
-              <a:t>Vulnerabilities</a:t>
-            </a:r>
-            <a:r>
-              <a:rPr lang="en-US" sz="2000" dirty="0"/>
-              <a:t> include capturing source and destination addresses, request-response         frequency, </a:t>
-            </a:r>
-            <a:r>
-              <a:rPr lang="en-US" sz="2000" dirty="0" err="1"/>
-              <a:t>etc</a:t>
-            </a:r>
-            <a:endParaRPr lang="en-US" dirty="0"/>
-          </a:p>
-          <a:p>
-            <a:pPr>
-              <a:lnSpc>
-                <a:spcPct val="100000"/>
-              </a:lnSpc>
-            </a:pPr>
-            <a:r>
-              <a:rPr lang="en-US" dirty="0">
-                <a:solidFill>
-                  <a:schemeClr val="accent6">
                     <a:lumMod val="50000"/>
                   </a:schemeClr>
                 </a:solidFill>
               </a:rPr>
-              <a:t>Need for Covert Communications: </a:t>
-            </a:r>
-          </a:p>
-          <a:p>
-            <a:pPr lvl="1">
-              <a:lnSpc>
-                <a:spcPct val="100000"/>
-              </a:lnSpc>
-            </a:pPr>
-            <a:r>
-              <a:rPr lang="en-US" sz="2000" dirty="0"/>
-              <a:t>Transmit data in a manner that </a:t>
-            </a:r>
-            <a:r>
-              <a:rPr lang="en-US" sz="2000" dirty="0">
+              <a:t>Facilitates</a:t>
+            </a:r>
+            <a:r>
+              <a:rPr lang="en-US" dirty="0"/>
+              <a:t> real-time sharing of information between </a:t>
+            </a:r>
+            <a:r>
+              <a:rPr lang="en-US" dirty="0">
                 <a:solidFill>
                   <a:schemeClr val="accent1">
-                    <a:lumMod val="75000"/>
+                    <a:lumMod val="50000"/>
                   </a:schemeClr>
                 </a:solidFill>
               </a:rPr>
-              <a:t>avoids detection or suspicion.</a:t>
-            </a:r>
-            <a:endParaRPr lang="en-US" sz="2000" dirty="0"/>
+              <a:t>vehicles and infrastructure</a:t>
+            </a:r>
+            <a:r>
+              <a:rPr lang="en-US" dirty="0"/>
+              <a:t>.</a:t>
+            </a:r>
           </a:p>
           <a:p>
             <a:pPr lvl="1">
@@ -15759,18 +15700,100 @@
               </a:lnSpc>
             </a:pPr>
             <a:r>
-              <a:rPr lang="en-US" sz="2000" dirty="0">
+              <a:rPr lang="en-US" dirty="0">
                 <a:solidFill>
                   <a:schemeClr val="accent1">
-                    <a:lumMod val="75000"/>
+                    <a:lumMod val="50000"/>
                   </a:schemeClr>
                 </a:solidFill>
               </a:rPr>
-              <a:t>Combining cryptography and physical </a:t>
-            </a:r>
-            <a:r>
-              <a:rPr lang="en-US" sz="2000" dirty="0"/>
-              <a:t>layer security can prevent eavesdropping, but           covert communications are necessary to counter traffic analysis threats.</a:t>
+              <a:t>Enhances safety</a:t>
+            </a:r>
+            <a:r>
+              <a:rPr lang="en-US" dirty="0"/>
+              <a:t>, communication between passengers, and connectivity to the Internet.</a:t>
+            </a:r>
+            <a:endParaRPr lang="en-US" b="1" dirty="0">
+              <a:solidFill>
+                <a:srgbClr val="1F1F1F"/>
+              </a:solidFill>
+              <a:latin typeface="ElsevierSans"/>
+            </a:endParaRPr>
+          </a:p>
+          <a:p>
+            <a:r>
+              <a:rPr lang="en-US" dirty="0">
+                <a:solidFill>
+                  <a:schemeClr val="accent2">
+                    <a:lumMod val="50000"/>
+                  </a:schemeClr>
+                </a:solidFill>
+              </a:rPr>
+              <a:t>Applications for Safety and Connectivity</a:t>
+            </a:r>
+            <a:r>
+              <a:rPr lang="en-US" dirty="0"/>
+              <a:t>:</a:t>
+            </a:r>
+          </a:p>
+          <a:p>
+            <a:pPr lvl="1">
+              <a:lnSpc>
+                <a:spcPct val="150000"/>
+              </a:lnSpc>
+            </a:pPr>
+            <a:r>
+              <a:rPr lang="en-US" dirty="0"/>
+              <a:t>Applications designed to </a:t>
+            </a:r>
+            <a:r>
+              <a:rPr lang="en-US" dirty="0">
+                <a:solidFill>
+                  <a:schemeClr val="accent1">
+                    <a:lumMod val="50000"/>
+                  </a:schemeClr>
+                </a:solidFill>
+              </a:rPr>
+              <a:t>increase the safety </a:t>
+            </a:r>
+            <a:r>
+              <a:rPr lang="en-US" dirty="0"/>
+              <a:t>of vehicles.</a:t>
+            </a:r>
+          </a:p>
+          <a:p>
+            <a:pPr lvl="1">
+              <a:lnSpc>
+                <a:spcPct val="150000"/>
+              </a:lnSpc>
+            </a:pPr>
+            <a:r>
+              <a:rPr lang="en-US" dirty="0">
+                <a:solidFill>
+                  <a:schemeClr val="accent1">
+                    <a:lumMod val="50000"/>
+                  </a:schemeClr>
+                </a:solidFill>
+              </a:rPr>
+              <a:t>Supports</a:t>
+            </a:r>
+            <a:r>
+              <a:rPr lang="en-US" dirty="0"/>
+              <a:t> communication between </a:t>
+            </a:r>
+            <a:r>
+              <a:rPr lang="en-US" dirty="0">
+                <a:solidFill>
+                  <a:schemeClr val="accent1">
+                    <a:lumMod val="50000"/>
+                  </a:schemeClr>
+                </a:solidFill>
+              </a:rPr>
+              <a:t>passengers and the Internet</a:t>
+            </a:r>
+            <a:r>
+              <a:rPr lang="en-US" dirty="0"/>
+              <a:t>.</a:t>
             </a:r>
           </a:p>
         </p:txBody>
@@ -15780,7 +15803,7 @@
           <p:cNvPr id="4" name="Slide Number Placeholder 3">
             <a:extLst>
               <a:ext uri="{FF2B5EF4-FFF2-40B4-BE49-F238E27FC236}">
-                <a16:creationId xmlns:a16="http://schemas.microsoft.com/office/drawing/2014/main" id="{794FF7CF-F72C-3287-65EF-9073A1C6E8D6}"/>
+                <a16:creationId xmlns:a16="http://schemas.microsoft.com/office/drawing/2014/main" id="{BE42633C-1C5D-86BF-A07D-BBB3AF0CDC15}"/>
               </a:ext>
             </a:extLst>
           </p:cNvPr>
@@ -15807,7 +15830,7 @@
     </p:spTree>
     <p:extLst>
       <p:ext uri="{BB962C8B-B14F-4D97-AF65-F5344CB8AC3E}">
-        <p14:creationId xmlns:p14="http://schemas.microsoft.com/office/powerpoint/2010/main" val="1301007448"/>
+        <p14:creationId xmlns:p14="http://schemas.microsoft.com/office/powerpoint/2010/main" val="514770313"/>
       </p:ext>
     </p:extLst>
   </p:cSld>
@@ -15839,7 +15862,7 @@
           <p:cNvPr id="2" name="Title 1">
             <a:extLst>
               <a:ext uri="{FF2B5EF4-FFF2-40B4-BE49-F238E27FC236}">
-                <a16:creationId xmlns:a16="http://schemas.microsoft.com/office/drawing/2014/main" id="{B39C4ABF-35A6-FB09-B976-5C66F7E08F81}"/>
+                <a16:creationId xmlns:a16="http://schemas.microsoft.com/office/drawing/2014/main" id="{E3824FA3-B65C-9221-1E0A-6E4709E26351}"/>
               </a:ext>
             </a:extLst>
           </p:cNvPr>
@@ -15867,7 +15890,7 @@
           <p:cNvPr id="3" name="Content Placeholder 2">
             <a:extLst>
               <a:ext uri="{FF2B5EF4-FFF2-40B4-BE49-F238E27FC236}">
-                <a16:creationId xmlns:a16="http://schemas.microsoft.com/office/drawing/2014/main" id="{EE821DAC-C2BB-949F-19A9-72CC34BA186B}"/>
+                <a16:creationId xmlns:a16="http://schemas.microsoft.com/office/drawing/2014/main" id="{36E77992-FB8E-D048-552F-AE7E2DDCEE28}"/>
               </a:ext>
             </a:extLst>
           </p:cNvPr>
@@ -15878,90 +15901,15 @@
             <p:ph idx="1"/>
           </p:nvPr>
         </p:nvSpPr>
-        <p:spPr/>
+        <p:spPr>
+          <a:xfrm>
+            <a:off x="838199" y="1649690"/>
+            <a:ext cx="11096135" cy="4911365"/>
+          </a:xfrm>
+        </p:spPr>
         <p:txBody>
           <a:bodyPr/>
           <a:lstStyle/>
-          <a:p>
-            <a:r>
-              <a:rPr lang="en-US" b="1" i="0" dirty="0">
-                <a:solidFill>
-                  <a:schemeClr val="accent2">
-                    <a:lumMod val="50000"/>
-                  </a:schemeClr>
-                </a:solidFill>
-                <a:effectLst/>
-                <a:latin typeface="ElsevierSans"/>
-              </a:rPr>
-              <a:t>Vehicular Communications Overview</a:t>
-            </a:r>
-            <a:r>
-              <a:rPr lang="en-US" b="1" i="0" dirty="0">
-                <a:solidFill>
-                  <a:srgbClr val="1F1F1F"/>
-                </a:solidFill>
-                <a:effectLst/>
-                <a:latin typeface="ElsevierSans"/>
-              </a:rPr>
-              <a:t>:</a:t>
-            </a:r>
-          </a:p>
-          <a:p>
-            <a:pPr lvl="1">
-              <a:lnSpc>
-                <a:spcPct val="150000"/>
-              </a:lnSpc>
-            </a:pPr>
-            <a:r>
-              <a:rPr lang="en-US" dirty="0"/>
-              <a:t>Growing area of communication between vehicles and </a:t>
-            </a:r>
-            <a:r>
-              <a:rPr lang="en-US" dirty="0">
-                <a:solidFill>
-                  <a:schemeClr val="accent1">
-                    <a:lumMod val="50000"/>
-                  </a:schemeClr>
-                </a:solidFill>
-              </a:rPr>
-              <a:t>roadside infrastructure</a:t>
-            </a:r>
-            <a:r>
-              <a:rPr lang="en-US" dirty="0"/>
-              <a:t>.</a:t>
-            </a:r>
-          </a:p>
-          <a:p>
-            <a:pPr lvl="1">
-              <a:lnSpc>
-                <a:spcPct val="150000"/>
-              </a:lnSpc>
-            </a:pPr>
-            <a:r>
-              <a:rPr lang="en-US" dirty="0"/>
-              <a:t>Enabled by advances in </a:t>
-            </a:r>
-            <a:r>
-              <a:rPr lang="en-US" dirty="0">
-                <a:solidFill>
-                  <a:schemeClr val="accent1">
-                    <a:lumMod val="50000"/>
-                  </a:schemeClr>
-                </a:solidFill>
-              </a:rPr>
-              <a:t>wireless communication technologies</a:t>
-            </a:r>
-            <a:r>
-              <a:rPr lang="en-US" dirty="0"/>
-              <a:t>.</a:t>
-            </a:r>
-            <a:endParaRPr lang="en-US" b="1" dirty="0">
-              <a:solidFill>
-                <a:srgbClr val="1F1F1F"/>
-              </a:solidFill>
-              <a:latin typeface="ElsevierSans"/>
-            </a:endParaRPr>
-          </a:p>
           <a:p>
             <a:r>
               <a:rPr lang="en-US" dirty="0">
@@ -15971,18 +15919,51 @@
                   </a:schemeClr>
                 </a:solidFill>
               </a:rPr>
-              <a:t>Real-Time Information Sharing</a:t>
-            </a:r>
-            <a:r>
-              <a:rPr lang="en-US" dirty="0"/>
-              <a:t>:</a:t>
-            </a:r>
-            <a:endParaRPr lang="en-US" b="1" dirty="0">
-              <a:solidFill>
-                <a:srgbClr val="1F1F1F"/>
-              </a:solidFill>
-              <a:latin typeface="ElsevierSans"/>
-            </a:endParaRPr>
+              <a:t>Challenges of Secure Communication:</a:t>
+            </a:r>
+            <a:endParaRPr lang="en-US" dirty="0"/>
+          </a:p>
+          <a:p>
+            <a:pPr>
+              <a:lnSpc>
+                <a:spcPct val="100000"/>
+              </a:lnSpc>
+            </a:pPr>
+            <a:r>
+              <a:rPr lang="en-US" dirty="0">
+                <a:solidFill>
+                  <a:schemeClr val="accent6">
+                    <a:lumMod val="50000"/>
+                  </a:schemeClr>
+                </a:solidFill>
+              </a:rPr>
+              <a:t>Security Threats:</a:t>
+            </a:r>
+          </a:p>
+          <a:p>
+            <a:pPr lvl="1">
+              <a:lnSpc>
+                <a:spcPct val="100000"/>
+              </a:lnSpc>
+            </a:pPr>
+            <a:r>
+              <a:rPr lang="en-US" sz="2000" dirty="0"/>
+              <a:t>Opponents can conduct traffic analysis by </a:t>
+            </a:r>
+            <a:r>
+              <a:rPr lang="en-US" sz="2000" dirty="0">
+                <a:solidFill>
+                  <a:schemeClr val="accent1">
+                    <a:lumMod val="75000"/>
+                  </a:schemeClr>
+                </a:solidFill>
+              </a:rPr>
+              <a:t>collecting metadata </a:t>
+            </a:r>
+            <a:r>
+              <a:rPr lang="en-US" sz="2000" dirty="0"/>
+              <a:t>during transmission.</a:t>
+            </a:r>
           </a:p>
           <a:p>
             <a:pPr lvl="1">
@@ -15991,33 +15972,63 @@
               </a:lnSpc>
             </a:pPr>
             <a:r>
+              <a:rPr lang="en-US" sz="2000" dirty="0">
+                <a:solidFill>
+                  <a:schemeClr val="accent1">
+                    <a:lumMod val="75000"/>
+                  </a:schemeClr>
+                </a:solidFill>
+              </a:rPr>
+              <a:t>Vulnerabilities</a:t>
+            </a:r>
+            <a:r>
+              <a:rPr lang="en-US" sz="2000" dirty="0"/>
+              <a:t> include capturing source and destination addresses, request-response         frequency, </a:t>
+            </a:r>
+            <a:r>
+              <a:rPr lang="en-US" sz="2000" dirty="0" err="1"/>
+              <a:t>etc</a:t>
+            </a:r>
+            <a:endParaRPr lang="en-US" dirty="0"/>
+          </a:p>
+          <a:p>
+            <a:pPr>
+              <a:lnSpc>
+                <a:spcPct val="100000"/>
+              </a:lnSpc>
+            </a:pPr>
+            <a:r>
               <a:rPr lang="en-US" dirty="0">
                 <a:solidFill>
-                  <a:schemeClr val="accent1">
+                  <a:schemeClr val="accent6">
                     <a:lumMod val="50000"/>
                   </a:schemeClr>
                 </a:solidFill>
               </a:rPr>
-              <a:t>Facilitates</a:t>
-            </a:r>
-            <a:r>
-              <a:rPr lang="en-US" dirty="0"/>
-              <a:t> real-time sharing of information between </a:t>
-            </a:r>
-            <a:r>
-              <a:rPr lang="en-US" dirty="0">
+              <a:t>Need for Covert Communications: </a:t>
+            </a:r>
+          </a:p>
+          <a:p>
+            <a:pPr lvl="1">
+              <a:lnSpc>
+                <a:spcPct val="100000"/>
+              </a:lnSpc>
+            </a:pPr>
+            <a:r>
+              <a:rPr lang="en-US" sz="2000" dirty="0"/>
+              <a:t>Transmit data in a manner that </a:t>
+            </a:r>
+            <a:r>
+              <a:rPr lang="en-US" sz="2000" dirty="0">
                 <a:solidFill>
                   <a:schemeClr val="accent1">
-                    <a:lumMod val="50000"/>
+                    <a:lumMod val="75000"/>
                   </a:schemeClr>
                 </a:solidFill>
               </a:rPr>
-              <a:t>vehicles and infrastructure</a:t>
-            </a:r>
-            <a:r>
-              <a:rPr lang="en-US" dirty="0"/>
-              <a:t>.</a:t>
-            </a:r>
+              <a:t>avoids detection or suspicion.</a:t>
+            </a:r>
+            <a:endParaRPr lang="en-US" sz="2000" dirty="0"/>
           </a:p>
           <a:p>
             <a:pPr lvl="1">
@@ -16026,100 +16037,18 @@
               </a:lnSpc>
             </a:pPr>
             <a:r>
-              <a:rPr lang="en-US" dirty="0">
+              <a:rPr lang="en-US" sz="2000" dirty="0">
                 <a:solidFill>
                   <a:schemeClr val="accent1">
-                    <a:lumMod val="50000"/>
+                    <a:lumMod val="75000"/>
                   </a:schemeClr>
                 </a:solidFill>
               </a:rPr>
-              <a:t>Enhances safety</a:t>
-            </a:r>
-            <a:r>
-              <a:rPr lang="en-US" dirty="0"/>
-              <a:t>, communication between passengers, and connectivity to the Internet.</a:t>
-            </a:r>
-            <a:endParaRPr lang="en-US" b="1" dirty="0">
-              <a:solidFill>
-                <a:srgbClr val="1F1F1F"/>
-              </a:solidFill>
-              <a:latin typeface="ElsevierSans"/>
-            </a:endParaRPr>
-          </a:p>
-          <a:p>
-            <a:r>
-              <a:rPr lang="en-US" dirty="0">
-                <a:solidFill>
-                  <a:schemeClr val="accent2">
-                    <a:lumMod val="50000"/>
-                  </a:schemeClr>
-                </a:solidFill>
-              </a:rPr>
-              <a:t>Applications for Safety and Connectivity</a:t>
-            </a:r>
-            <a:r>
-              <a:rPr lang="en-US" dirty="0"/>
-              <a:t>:</a:t>
-            </a:r>
-          </a:p>
-          <a:p>
-            <a:pPr lvl="1">
-              <a:lnSpc>
-                <a:spcPct val="150000"/>
-              </a:lnSpc>
-            </a:pPr>
-            <a:r>
-              <a:rPr lang="en-US" dirty="0"/>
-              <a:t>Applications designed to </a:t>
-            </a:r>
-            <a:r>
-              <a:rPr lang="en-US" dirty="0">
-                <a:solidFill>
-                  <a:schemeClr val="accent1">
-                    <a:lumMod val="50000"/>
-                  </a:schemeClr>
-                </a:solidFill>
-              </a:rPr>
-              <a:t>increase the safety </a:t>
-            </a:r>
-            <a:r>
-              <a:rPr lang="en-US" dirty="0"/>
-              <a:t>of vehicles.</a:t>
-            </a:r>
-          </a:p>
-          <a:p>
-            <a:pPr lvl="1">
-              <a:lnSpc>
-                <a:spcPct val="150000"/>
-              </a:lnSpc>
-            </a:pPr>
-            <a:r>
-              <a:rPr lang="en-US" dirty="0">
-                <a:solidFill>
-                  <a:schemeClr val="accent1">
-                    <a:lumMod val="50000"/>
-                  </a:schemeClr>
-                </a:solidFill>
-              </a:rPr>
-              <a:t>Supports</a:t>
-            </a:r>
-            <a:r>
-              <a:rPr lang="en-US" dirty="0"/>
-              <a:t> communication between </a:t>
-            </a:r>
-            <a:r>
-              <a:rPr lang="en-US" dirty="0">
-                <a:solidFill>
-                  <a:schemeClr val="accent1">
-                    <a:lumMod val="50000"/>
-                  </a:schemeClr>
-                </a:solidFill>
-              </a:rPr>
-              <a:t>passengers and the Internet</a:t>
-            </a:r>
-            <a:r>
-              <a:rPr lang="en-US" dirty="0"/>
-              <a:t>.</a:t>
+              <a:t>Combining cryptography and physical </a:t>
+            </a:r>
+            <a:r>
+              <a:rPr lang="en-US" sz="2000" dirty="0"/>
+              <a:t>layer security can prevent eavesdropping, but           covert communications are necessary to counter traffic analysis threats.</a:t>
             </a:r>
           </a:p>
         </p:txBody>
@@ -16129,7 +16058,7 @@
           <p:cNvPr id="4" name="Slide Number Placeholder 3">
             <a:extLst>
               <a:ext uri="{FF2B5EF4-FFF2-40B4-BE49-F238E27FC236}">
-                <a16:creationId xmlns:a16="http://schemas.microsoft.com/office/drawing/2014/main" id="{BE42633C-1C5D-86BF-A07D-BBB3AF0CDC15}"/>
+                <a16:creationId xmlns:a16="http://schemas.microsoft.com/office/drawing/2014/main" id="{794FF7CF-F72C-3287-65EF-9073A1C6E8D6}"/>
               </a:ext>
             </a:extLst>
           </p:cNvPr>
@@ -16156,7 +16085,7 @@
     </p:spTree>
     <p:extLst>
       <p:ext uri="{BB962C8B-B14F-4D97-AF65-F5344CB8AC3E}">
-        <p14:creationId xmlns:p14="http://schemas.microsoft.com/office/powerpoint/2010/main" val="514770313"/>
+        <p14:creationId xmlns:p14="http://schemas.microsoft.com/office/powerpoint/2010/main" val="1301007448"/>
       </p:ext>
     </p:extLst>
   </p:cSld>
